--- a/Documents/diagrams/diagrams.pptx
+++ b/Documents/diagrams/diagrams.pptx
@@ -5,12 +5,14 @@
     <p:sldMasterId id="2147483648" r:id="rId1"/>
   </p:sldMasterIdLst>
   <p:notesMasterIdLst>
-    <p:notesMasterId r:id="rId5"/>
+    <p:notesMasterId r:id="rId7"/>
   </p:notesMasterIdLst>
   <p:sldIdLst>
     <p:sldId id="260" r:id="rId2"/>
     <p:sldId id="257" r:id="rId3"/>
     <p:sldId id="259" r:id="rId4"/>
+    <p:sldId id="261" r:id="rId5"/>
+    <p:sldId id="262" r:id="rId6"/>
   </p:sldIdLst>
   <p:sldSz cx="12192000" cy="6858000"/>
   <p:notesSz cx="6858000" cy="9144000"/>
@@ -109,6 +111,11 @@
       </a:defRPr>
     </a:lvl9pPr>
   </p:defaultTextStyle>
+  <p:extLst>
+    <p:ext uri="{EFAFB233-063F-42B5-8137-9DF3F51BA10A}">
+      <p15:sldGuideLst xmlns:p15="http://schemas.microsoft.com/office/powerpoint/2012/main"/>
+    </p:ext>
+  </p:extLst>
 </p:presentation>
 </file>
 
@@ -194,7 +201,7 @@
           <a:p>
             <a:fld id="{DA914B43-98E2-DF4B-8C06-32F9990F3524}" type="datetimeFigureOut">
               <a:rPr kumimoji="1" lang="ko-Kore-KR" altLang="en-US" smtClean="0"/>
-              <a:t>2024. 10. 23.</a:t>
+              <a:t>2024. 11. 6.</a:t>
             </a:fld>
             <a:endParaRPr kumimoji="1" lang="ko-Kore-KR" altLang="en-US"/>
           </a:p>
@@ -695,7 +702,7 @@
           <a:p>
             <a:fld id="{87B87173-415E-7546-8789-3868EEF0994A}" type="datetimeFigureOut">
               <a:rPr kumimoji="1" lang="ko-Kore-KR" altLang="en-US" smtClean="0"/>
-              <a:t>2024. 10. 23.</a:t>
+              <a:t>2024. 11. 6.</a:t>
             </a:fld>
             <a:endParaRPr kumimoji="1" lang="ko-Kore-KR" altLang="en-US"/>
           </a:p>
@@ -895,7 +902,7 @@
           <a:p>
             <a:fld id="{87B87173-415E-7546-8789-3868EEF0994A}" type="datetimeFigureOut">
               <a:rPr kumimoji="1" lang="ko-Kore-KR" altLang="en-US" smtClean="0"/>
-              <a:t>2024. 10. 23.</a:t>
+              <a:t>2024. 11. 6.</a:t>
             </a:fld>
             <a:endParaRPr kumimoji="1" lang="ko-Kore-KR" altLang="en-US"/>
           </a:p>
@@ -1105,7 +1112,7 @@
           <a:p>
             <a:fld id="{87B87173-415E-7546-8789-3868EEF0994A}" type="datetimeFigureOut">
               <a:rPr kumimoji="1" lang="ko-Kore-KR" altLang="en-US" smtClean="0"/>
-              <a:t>2024. 10. 23.</a:t>
+              <a:t>2024. 11. 6.</a:t>
             </a:fld>
             <a:endParaRPr kumimoji="1" lang="ko-Kore-KR" altLang="en-US"/>
           </a:p>
@@ -1305,7 +1312,7 @@
           <a:p>
             <a:fld id="{87B87173-415E-7546-8789-3868EEF0994A}" type="datetimeFigureOut">
               <a:rPr kumimoji="1" lang="ko-Kore-KR" altLang="en-US" smtClean="0"/>
-              <a:t>2024. 10. 23.</a:t>
+              <a:t>2024. 11. 6.</a:t>
             </a:fld>
             <a:endParaRPr kumimoji="1" lang="ko-Kore-KR" altLang="en-US"/>
           </a:p>
@@ -1581,7 +1588,7 @@
           <a:p>
             <a:fld id="{87B87173-415E-7546-8789-3868EEF0994A}" type="datetimeFigureOut">
               <a:rPr kumimoji="1" lang="ko-Kore-KR" altLang="en-US" smtClean="0"/>
-              <a:t>2024. 10. 23.</a:t>
+              <a:t>2024. 11. 6.</a:t>
             </a:fld>
             <a:endParaRPr kumimoji="1" lang="ko-Kore-KR" altLang="en-US"/>
           </a:p>
@@ -1849,7 +1856,7 @@
           <a:p>
             <a:fld id="{87B87173-415E-7546-8789-3868EEF0994A}" type="datetimeFigureOut">
               <a:rPr kumimoji="1" lang="ko-Kore-KR" altLang="en-US" smtClean="0"/>
-              <a:t>2024. 10. 23.</a:t>
+              <a:t>2024. 11. 6.</a:t>
             </a:fld>
             <a:endParaRPr kumimoji="1" lang="ko-Kore-KR" altLang="en-US"/>
           </a:p>
@@ -2264,7 +2271,7 @@
           <a:p>
             <a:fld id="{87B87173-415E-7546-8789-3868EEF0994A}" type="datetimeFigureOut">
               <a:rPr kumimoji="1" lang="ko-Kore-KR" altLang="en-US" smtClean="0"/>
-              <a:t>2024. 10. 23.</a:t>
+              <a:t>2024. 11. 6.</a:t>
             </a:fld>
             <a:endParaRPr kumimoji="1" lang="ko-Kore-KR" altLang="en-US"/>
           </a:p>
@@ -2406,7 +2413,7 @@
           <a:p>
             <a:fld id="{87B87173-415E-7546-8789-3868EEF0994A}" type="datetimeFigureOut">
               <a:rPr kumimoji="1" lang="ko-Kore-KR" altLang="en-US" smtClean="0"/>
-              <a:t>2024. 10. 23.</a:t>
+              <a:t>2024. 11. 6.</a:t>
             </a:fld>
             <a:endParaRPr kumimoji="1" lang="ko-Kore-KR" altLang="en-US"/>
           </a:p>
@@ -2519,7 +2526,7 @@
           <a:p>
             <a:fld id="{87B87173-415E-7546-8789-3868EEF0994A}" type="datetimeFigureOut">
               <a:rPr kumimoji="1" lang="ko-Kore-KR" altLang="en-US" smtClean="0"/>
-              <a:t>2024. 10. 23.</a:t>
+              <a:t>2024. 11. 6.</a:t>
             </a:fld>
             <a:endParaRPr kumimoji="1" lang="ko-Kore-KR" altLang="en-US"/>
           </a:p>
@@ -2832,7 +2839,7 @@
           <a:p>
             <a:fld id="{87B87173-415E-7546-8789-3868EEF0994A}" type="datetimeFigureOut">
               <a:rPr kumimoji="1" lang="ko-Kore-KR" altLang="en-US" smtClean="0"/>
-              <a:t>2024. 10. 23.</a:t>
+              <a:t>2024. 11. 6.</a:t>
             </a:fld>
             <a:endParaRPr kumimoji="1" lang="ko-Kore-KR" altLang="en-US"/>
           </a:p>
@@ -3121,7 +3128,7 @@
           <a:p>
             <a:fld id="{87B87173-415E-7546-8789-3868EEF0994A}" type="datetimeFigureOut">
               <a:rPr kumimoji="1" lang="ko-Kore-KR" altLang="en-US" smtClean="0"/>
-              <a:t>2024. 10. 23.</a:t>
+              <a:t>2024. 11. 6.</a:t>
             </a:fld>
             <a:endParaRPr kumimoji="1" lang="ko-Kore-KR" altLang="en-US"/>
           </a:p>
@@ -3364,7 +3371,7 @@
           <a:p>
             <a:fld id="{87B87173-415E-7546-8789-3868EEF0994A}" type="datetimeFigureOut">
               <a:rPr kumimoji="1" lang="ko-Kore-KR" altLang="en-US" smtClean="0"/>
-              <a:t>2024. 10. 23.</a:t>
+              <a:t>2024. 11. 6.</a:t>
             </a:fld>
             <a:endParaRPr kumimoji="1" lang="ko-Kore-KR" altLang="en-US"/>
           </a:p>
@@ -7877,6 +7884,3218 @@
 </p:sld>
 </file>
 
+<file path=ppt/slides/slide4.xml><?xml version="1.0" encoding="utf-8"?>
+<p:sld xmlns:a="http://schemas.openxmlformats.org/drawingml/2006/main" xmlns:r="http://schemas.openxmlformats.org/officeDocument/2006/relationships" xmlns:p="http://schemas.openxmlformats.org/presentationml/2006/main">
+  <p:cSld>
+    <p:spTree>
+      <p:nvGrpSpPr>
+        <p:cNvPr id="1" name=""/>
+        <p:cNvGrpSpPr/>
+        <p:nvPr/>
+      </p:nvGrpSpPr>
+      <p:grpSpPr>
+        <a:xfrm>
+          <a:off x="0" y="0"/>
+          <a:ext cx="0" cy="0"/>
+          <a:chOff x="0" y="0"/>
+          <a:chExt cx="0" cy="0"/>
+        </a:xfrm>
+      </p:grpSpPr>
+      <p:pic>
+        <p:nvPicPr>
+          <p:cNvPr id="5" name="그래픽 4" descr="남성 프로그래머 단색으로 채워진">
+            <a:extLst>
+              <a:ext uri="{FF2B5EF4-FFF2-40B4-BE49-F238E27FC236}">
+                <a16:creationId xmlns:a16="http://schemas.microsoft.com/office/drawing/2014/main" id="{1DA58B5C-DBB7-1FFD-0CA8-E180BE6911C5}"/>
+              </a:ext>
+            </a:extLst>
+          </p:cNvPr>
+          <p:cNvPicPr>
+            <a:picLocks noChangeAspect="1"/>
+          </p:cNvPicPr>
+          <p:nvPr/>
+        </p:nvPicPr>
+        <p:blipFill>
+          <a:blip r:embed="rId2">
+            <a:extLst>
+              <a:ext uri="{96DAC541-7B7A-43D3-8B79-37D633B846F1}">
+                <asvg:svgBlip xmlns:asvg="http://schemas.microsoft.com/office/drawing/2016/SVG/main" r:embed="rId3"/>
+              </a:ext>
+            </a:extLst>
+          </a:blip>
+          <a:stretch>
+            <a:fillRect/>
+          </a:stretch>
+        </p:blipFill>
+        <p:spPr>
+          <a:xfrm>
+            <a:off x="866775" y="742950"/>
+            <a:ext cx="914400" cy="914400"/>
+          </a:xfrm>
+          <a:prstGeom prst="rect">
+            <a:avLst/>
+          </a:prstGeom>
+        </p:spPr>
+      </p:pic>
+      <p:pic>
+        <p:nvPicPr>
+          <p:cNvPr id="7" name="그래픽 6" descr="혼란스러운 사람 단색으로 채워진">
+            <a:extLst>
+              <a:ext uri="{FF2B5EF4-FFF2-40B4-BE49-F238E27FC236}">
+                <a16:creationId xmlns:a16="http://schemas.microsoft.com/office/drawing/2014/main" id="{8E05B411-1339-C440-35CD-6B4D507A558F}"/>
+              </a:ext>
+            </a:extLst>
+          </p:cNvPr>
+          <p:cNvPicPr>
+            <a:picLocks noChangeAspect="1"/>
+          </p:cNvPicPr>
+          <p:nvPr/>
+        </p:nvPicPr>
+        <p:blipFill>
+          <a:blip r:embed="rId4">
+            <a:extLst>
+              <a:ext uri="{96DAC541-7B7A-43D3-8B79-37D633B846F1}">
+                <asvg:svgBlip xmlns:asvg="http://schemas.microsoft.com/office/drawing/2016/SVG/main" r:embed="rId5"/>
+              </a:ext>
+            </a:extLst>
+          </a:blip>
+          <a:stretch>
+            <a:fillRect/>
+          </a:stretch>
+        </p:blipFill>
+        <p:spPr>
+          <a:xfrm>
+            <a:off x="866775" y="4314825"/>
+            <a:ext cx="914400" cy="914400"/>
+          </a:xfrm>
+          <a:prstGeom prst="rect">
+            <a:avLst/>
+          </a:prstGeom>
+        </p:spPr>
+      </p:pic>
+      <p:pic>
+        <p:nvPicPr>
+          <p:cNvPr id="11" name="그림 10" descr="블랙, 어둠이(가) 표시된 사진&#10;&#10;자동 생성된 설명">
+            <a:extLst>
+              <a:ext uri="{FF2B5EF4-FFF2-40B4-BE49-F238E27FC236}">
+                <a16:creationId xmlns:a16="http://schemas.microsoft.com/office/drawing/2014/main" id="{506A0870-907C-B2D8-62D6-68F7421F2C70}"/>
+              </a:ext>
+            </a:extLst>
+          </p:cNvPr>
+          <p:cNvPicPr>
+            <a:picLocks noChangeAspect="1"/>
+          </p:cNvPicPr>
+          <p:nvPr/>
+        </p:nvPicPr>
+        <p:blipFill>
+          <a:blip r:embed="rId6"/>
+          <a:stretch>
+            <a:fillRect/>
+          </a:stretch>
+        </p:blipFill>
+        <p:spPr>
+          <a:xfrm>
+            <a:off x="3657600" y="2057400"/>
+            <a:ext cx="4876800" cy="2743200"/>
+          </a:xfrm>
+          <a:prstGeom prst="rect">
+            <a:avLst/>
+          </a:prstGeom>
+        </p:spPr>
+      </p:pic>
+      <p:grpSp>
+        <p:nvGrpSpPr>
+          <p:cNvPr id="12" name="그룹 11">
+            <a:extLst>
+              <a:ext uri="{FF2B5EF4-FFF2-40B4-BE49-F238E27FC236}">
+                <a16:creationId xmlns:a16="http://schemas.microsoft.com/office/drawing/2014/main" id="{30499923-E770-7195-74F2-AD6F03DEEC1D}"/>
+              </a:ext>
+            </a:extLst>
+          </p:cNvPr>
+          <p:cNvGrpSpPr/>
+          <p:nvPr/>
+        </p:nvGrpSpPr>
+        <p:grpSpPr>
+          <a:xfrm>
+            <a:off x="2943545" y="439493"/>
+            <a:ext cx="6557963" cy="2435713"/>
+            <a:chOff x="443233" y="3951231"/>
+            <a:chExt cx="6557963" cy="2435713"/>
+          </a:xfrm>
+        </p:grpSpPr>
+        <p:sp>
+          <p:nvSpPr>
+            <p:cNvPr id="13" name="모서리가 둥근 직사각형 12">
+              <a:extLst>
+                <a:ext uri="{FF2B5EF4-FFF2-40B4-BE49-F238E27FC236}">
+                  <a16:creationId xmlns:a16="http://schemas.microsoft.com/office/drawing/2014/main" id="{FBB72329-4186-548D-F615-41D6830EA910}"/>
+                </a:ext>
+              </a:extLst>
+            </p:cNvPr>
+            <p:cNvSpPr/>
+            <p:nvPr/>
+          </p:nvSpPr>
+          <p:spPr>
+            <a:xfrm>
+              <a:off x="443233" y="3951231"/>
+              <a:ext cx="6557963" cy="2435713"/>
+            </a:xfrm>
+            <a:prstGeom prst="roundRect">
+              <a:avLst>
+                <a:gd name="adj" fmla="val 9918"/>
+              </a:avLst>
+            </a:prstGeom>
+            <a:solidFill>
+              <a:schemeClr val="bg1"/>
+            </a:solidFill>
+            <a:ln>
+              <a:solidFill>
+                <a:schemeClr val="tx1"/>
+              </a:solidFill>
+            </a:ln>
+          </p:spPr>
+          <p:style>
+            <a:lnRef idx="2">
+              <a:schemeClr val="accent1">
+                <a:shade val="15000"/>
+              </a:schemeClr>
+            </a:lnRef>
+            <a:fillRef idx="1">
+              <a:schemeClr val="accent1"/>
+            </a:fillRef>
+            <a:effectRef idx="0">
+              <a:schemeClr val="accent1"/>
+            </a:effectRef>
+            <a:fontRef idx="minor">
+              <a:schemeClr val="lt1"/>
+            </a:fontRef>
+          </p:style>
+          <p:txBody>
+            <a:bodyPr rtlCol="0" anchor="ctr"/>
+            <a:lstStyle/>
+            <a:p>
+              <a:pPr algn="ctr"/>
+              <a:endParaRPr kumimoji="1" lang="ko-Kore-KR" altLang="en-US"/>
+            </a:p>
+          </p:txBody>
+        </p:sp>
+        <p:grpSp>
+          <p:nvGrpSpPr>
+            <p:cNvPr id="14" name="그룹 13">
+              <a:extLst>
+                <a:ext uri="{FF2B5EF4-FFF2-40B4-BE49-F238E27FC236}">
+                  <a16:creationId xmlns:a16="http://schemas.microsoft.com/office/drawing/2014/main" id="{CF8114DE-A33C-A609-4846-7AB9895C4055}"/>
+                </a:ext>
+              </a:extLst>
+            </p:cNvPr>
+            <p:cNvGrpSpPr/>
+            <p:nvPr/>
+          </p:nvGrpSpPr>
+          <p:grpSpPr>
+            <a:xfrm>
+              <a:off x="607712" y="4479729"/>
+              <a:ext cx="2014330" cy="1729599"/>
+              <a:chOff x="228486" y="4930303"/>
+              <a:chExt cx="2014330" cy="1729599"/>
+            </a:xfrm>
+          </p:grpSpPr>
+          <p:sp>
+            <p:nvSpPr>
+              <p:cNvPr id="35" name="모서리가 둥근 직사각형 34">
+                <a:extLst>
+                  <a:ext uri="{FF2B5EF4-FFF2-40B4-BE49-F238E27FC236}">
+                    <a16:creationId xmlns:a16="http://schemas.microsoft.com/office/drawing/2014/main" id="{ECB3C1BA-B399-4985-7A62-4B3F607B5558}"/>
+                  </a:ext>
+                </a:extLst>
+              </p:cNvPr>
+              <p:cNvSpPr/>
+              <p:nvPr/>
+            </p:nvSpPr>
+            <p:spPr>
+              <a:xfrm>
+                <a:off x="228486" y="4930303"/>
+                <a:ext cx="2014330" cy="1729599"/>
+              </a:xfrm>
+              <a:prstGeom prst="roundRect">
+                <a:avLst/>
+              </a:prstGeom>
+              <a:solidFill>
+                <a:schemeClr val="bg1"/>
+              </a:solidFill>
+              <a:ln>
+                <a:solidFill>
+                  <a:schemeClr val="tx1"/>
+                </a:solidFill>
+              </a:ln>
+            </p:spPr>
+            <p:style>
+              <a:lnRef idx="2">
+                <a:schemeClr val="accent1">
+                  <a:shade val="15000"/>
+                </a:schemeClr>
+              </a:lnRef>
+              <a:fillRef idx="1">
+                <a:schemeClr val="accent1"/>
+              </a:fillRef>
+              <a:effectRef idx="0">
+                <a:schemeClr val="accent1"/>
+              </a:effectRef>
+              <a:fontRef idx="minor">
+                <a:schemeClr val="lt1"/>
+              </a:fontRef>
+            </p:style>
+            <p:txBody>
+              <a:bodyPr rtlCol="0" anchor="ctr"/>
+              <a:lstStyle/>
+              <a:p>
+                <a:pPr algn="ctr"/>
+                <a:endParaRPr kumimoji="1" lang="ko-Kore-KR" altLang="en-US"/>
+              </a:p>
+            </p:txBody>
+          </p:sp>
+          <p:sp>
+            <p:nvSpPr>
+              <p:cNvPr id="36" name="TextBox 35">
+                <a:extLst>
+                  <a:ext uri="{FF2B5EF4-FFF2-40B4-BE49-F238E27FC236}">
+                    <a16:creationId xmlns:a16="http://schemas.microsoft.com/office/drawing/2014/main" id="{7930AA93-C73D-7761-276A-AC26F0238483}"/>
+                  </a:ext>
+                </a:extLst>
+              </p:cNvPr>
+              <p:cNvSpPr txBox="1"/>
+              <p:nvPr/>
+            </p:nvSpPr>
+            <p:spPr>
+              <a:xfrm>
+                <a:off x="837981" y="5011338"/>
+                <a:ext cx="793808" cy="400110"/>
+              </a:xfrm>
+              <a:prstGeom prst="rect">
+                <a:avLst/>
+              </a:prstGeom>
+              <a:noFill/>
+            </p:spPr>
+            <p:txBody>
+              <a:bodyPr wrap="none" rtlCol="0">
+                <a:spAutoFit/>
+              </a:bodyPr>
+              <a:lstStyle/>
+              <a:p>
+                <a:pPr algn="ctr"/>
+                <a:r>
+                  <a:rPr kumimoji="1" lang="en-US" altLang="ko-Kore-KR" sz="2000" dirty="0">
+                    <a:latin typeface="Viner Hand ITC" panose="020F0502020204030204" pitchFamily="34" charset="0"/>
+                    <a:cs typeface="Viner Hand ITC" panose="020F0502020204030204" pitchFamily="34" charset="0"/>
+                  </a:rPr>
+                  <a:t>News</a:t>
+                </a:r>
+                <a:endParaRPr kumimoji="1" lang="ko-Kore-KR" altLang="en-US" sz="2000" dirty="0">
+                  <a:latin typeface="Viner Hand ITC" panose="020F0502020204030204" pitchFamily="34" charset="0"/>
+                  <a:cs typeface="Viner Hand ITC" panose="020F0502020204030204" pitchFamily="34" charset="0"/>
+                </a:endParaRPr>
+              </a:p>
+            </p:txBody>
+          </p:sp>
+          <p:sp>
+            <p:nvSpPr>
+              <p:cNvPr id="37" name="TextBox 36">
+                <a:extLst>
+                  <a:ext uri="{FF2B5EF4-FFF2-40B4-BE49-F238E27FC236}">
+                    <a16:creationId xmlns:a16="http://schemas.microsoft.com/office/drawing/2014/main" id="{F3AEF44F-BE50-8D6E-DFD7-D0B643E834A3}"/>
+                  </a:ext>
+                </a:extLst>
+              </p:cNvPr>
+              <p:cNvSpPr txBox="1"/>
+              <p:nvPr/>
+            </p:nvSpPr>
+            <p:spPr>
+              <a:xfrm>
+                <a:off x="228487" y="5466095"/>
+                <a:ext cx="2014329" cy="1169551"/>
+              </a:xfrm>
+              <a:prstGeom prst="rect">
+                <a:avLst/>
+              </a:prstGeom>
+              <a:noFill/>
+            </p:spPr>
+            <p:txBody>
+              <a:bodyPr wrap="square">
+                <a:spAutoFit/>
+              </a:bodyPr>
+              <a:lstStyle/>
+              <a:p>
+                <a:r>
+                  <a:rPr lang="en" altLang="ko-Kore-KR" sz="1400" b="0" i="0" dirty="0">
+                    <a:solidFill>
+                      <a:srgbClr val="000000"/>
+                    </a:solidFill>
+                    <a:effectLst/>
+                    <a:latin typeface="Dreaming Outloud Script Pro" panose="03050502040304050704" pitchFamily="66" charset="0"/>
+                    <a:cs typeface="Dreaming Outloud Script Pro" panose="03050502040304050704" pitchFamily="66" charset="0"/>
+                  </a:rPr>
+                  <a:t>Lorem ipsum dolor sit </a:t>
+                </a:r>
+                <a:r>
+                  <a:rPr lang="en" altLang="ko-Kore-KR" sz="1400" b="0" i="0" dirty="0" err="1">
+                    <a:solidFill>
+                      <a:srgbClr val="000000"/>
+                    </a:solidFill>
+                    <a:effectLst/>
+                    <a:latin typeface="Dreaming Outloud Script Pro" panose="03050502040304050704" pitchFamily="66" charset="0"/>
+                    <a:cs typeface="Dreaming Outloud Script Pro" panose="03050502040304050704" pitchFamily="66" charset="0"/>
+                  </a:rPr>
+                  <a:t>amet</a:t>
+                </a:r>
+                <a:r>
+                  <a:rPr lang="en" altLang="ko-Kore-KR" sz="1400" b="0" i="0" dirty="0">
+                    <a:solidFill>
+                      <a:srgbClr val="000000"/>
+                    </a:solidFill>
+                    <a:effectLst/>
+                    <a:latin typeface="Dreaming Outloud Script Pro" panose="03050502040304050704" pitchFamily="66" charset="0"/>
+                    <a:cs typeface="Dreaming Outloud Script Pro" panose="03050502040304050704" pitchFamily="66" charset="0"/>
+                  </a:rPr>
+                  <a:t>, </a:t>
+                </a:r>
+                <a:r>
+                  <a:rPr lang="en" altLang="ko-Kore-KR" sz="1400" b="0" i="0" dirty="0" err="1">
+                    <a:solidFill>
+                      <a:srgbClr val="000000"/>
+                    </a:solidFill>
+                    <a:effectLst/>
+                    <a:latin typeface="Dreaming Outloud Script Pro" panose="03050502040304050704" pitchFamily="66" charset="0"/>
+                    <a:cs typeface="Dreaming Outloud Script Pro" panose="03050502040304050704" pitchFamily="66" charset="0"/>
+                  </a:rPr>
+                  <a:t>consectetur</a:t>
+                </a:r>
+                <a:r>
+                  <a:rPr lang="en" altLang="ko-Kore-KR" sz="1400" b="0" i="0" dirty="0">
+                    <a:solidFill>
+                      <a:srgbClr val="000000"/>
+                    </a:solidFill>
+                    <a:effectLst/>
+                    <a:latin typeface="Dreaming Outloud Script Pro" panose="03050502040304050704" pitchFamily="66" charset="0"/>
+                    <a:cs typeface="Dreaming Outloud Script Pro" panose="03050502040304050704" pitchFamily="66" charset="0"/>
+                  </a:rPr>
+                  <a:t> </a:t>
+                </a:r>
+                <a:r>
+                  <a:rPr lang="en" altLang="ko-Kore-KR" sz="1400" b="0" i="0" dirty="0" err="1">
+                    <a:solidFill>
+                      <a:srgbClr val="000000"/>
+                    </a:solidFill>
+                    <a:effectLst/>
+                    <a:latin typeface="Dreaming Outloud Script Pro" panose="03050502040304050704" pitchFamily="66" charset="0"/>
+                    <a:cs typeface="Dreaming Outloud Script Pro" panose="03050502040304050704" pitchFamily="66" charset="0"/>
+                  </a:rPr>
+                  <a:t>adipiscing</a:t>
+                </a:r>
+                <a:r>
+                  <a:rPr lang="en" altLang="ko-Kore-KR" sz="1400" b="0" i="0" dirty="0">
+                    <a:solidFill>
+                      <a:srgbClr val="000000"/>
+                    </a:solidFill>
+                    <a:effectLst/>
+                    <a:latin typeface="Dreaming Outloud Script Pro" panose="03050502040304050704" pitchFamily="66" charset="0"/>
+                    <a:cs typeface="Dreaming Outloud Script Pro" panose="03050502040304050704" pitchFamily="66" charset="0"/>
+                  </a:rPr>
+                  <a:t> </a:t>
+                </a:r>
+                <a:r>
+                  <a:rPr lang="en" altLang="ko-Kore-KR" sz="1400" b="0" i="0" dirty="0" err="1">
+                    <a:solidFill>
+                      <a:srgbClr val="000000"/>
+                    </a:solidFill>
+                    <a:effectLst/>
+                    <a:latin typeface="Dreaming Outloud Script Pro" panose="03050502040304050704" pitchFamily="66" charset="0"/>
+                    <a:cs typeface="Dreaming Outloud Script Pro" panose="03050502040304050704" pitchFamily="66" charset="0"/>
+                  </a:rPr>
+                  <a:t>elit</a:t>
+                </a:r>
+                <a:r>
+                  <a:rPr lang="en" altLang="ko-Kore-KR" sz="1400" b="0" i="0" dirty="0">
+                    <a:solidFill>
+                      <a:srgbClr val="000000"/>
+                    </a:solidFill>
+                    <a:effectLst/>
+                    <a:latin typeface="Dreaming Outloud Script Pro" panose="03050502040304050704" pitchFamily="66" charset="0"/>
+                    <a:cs typeface="Dreaming Outloud Script Pro" panose="03050502040304050704" pitchFamily="66" charset="0"/>
+                  </a:rPr>
+                  <a:t>, sed do </a:t>
+                </a:r>
+                <a:r>
+                  <a:rPr lang="en" altLang="ko-Kore-KR" sz="1400" b="0" i="0" dirty="0" err="1">
+                    <a:solidFill>
+                      <a:srgbClr val="000000"/>
+                    </a:solidFill>
+                    <a:effectLst/>
+                    <a:latin typeface="Dreaming Outloud Script Pro" panose="03050502040304050704" pitchFamily="66" charset="0"/>
+                    <a:cs typeface="Dreaming Outloud Script Pro" panose="03050502040304050704" pitchFamily="66" charset="0"/>
+                  </a:rPr>
+                  <a:t>eiusmod</a:t>
+                </a:r>
+                <a:r>
+                  <a:rPr lang="en" altLang="ko-Kore-KR" sz="1400" b="0" i="0" dirty="0">
+                    <a:solidFill>
+                      <a:srgbClr val="000000"/>
+                    </a:solidFill>
+                    <a:effectLst/>
+                    <a:latin typeface="Dreaming Outloud Script Pro" panose="03050502040304050704" pitchFamily="66" charset="0"/>
+                    <a:cs typeface="Dreaming Outloud Script Pro" panose="03050502040304050704" pitchFamily="66" charset="0"/>
+                  </a:rPr>
+                  <a:t> </a:t>
+                </a:r>
+                <a:r>
+                  <a:rPr lang="en" altLang="ko-Kore-KR" sz="1400" b="0" i="0" dirty="0" err="1">
+                    <a:solidFill>
+                      <a:srgbClr val="000000"/>
+                    </a:solidFill>
+                    <a:effectLst/>
+                    <a:latin typeface="Dreaming Outloud Script Pro" panose="03050502040304050704" pitchFamily="66" charset="0"/>
+                    <a:cs typeface="Dreaming Outloud Script Pro" panose="03050502040304050704" pitchFamily="66" charset="0"/>
+                  </a:rPr>
+                  <a:t>tempor</a:t>
+                </a:r>
+                <a:r>
+                  <a:rPr lang="en" altLang="ko-Kore-KR" sz="1400" b="0" i="0" dirty="0">
+                    <a:solidFill>
+                      <a:srgbClr val="000000"/>
+                    </a:solidFill>
+                    <a:effectLst/>
+                    <a:latin typeface="Dreaming Outloud Script Pro" panose="03050502040304050704" pitchFamily="66" charset="0"/>
+                    <a:cs typeface="Dreaming Outloud Script Pro" panose="03050502040304050704" pitchFamily="66" charset="0"/>
+                  </a:rPr>
+                  <a:t> </a:t>
+                </a:r>
+                <a:r>
+                  <a:rPr lang="en" altLang="ko-Kore-KR" sz="1400" b="0" i="0" dirty="0" err="1">
+                    <a:solidFill>
+                      <a:srgbClr val="000000"/>
+                    </a:solidFill>
+                    <a:effectLst/>
+                    <a:latin typeface="Dreaming Outloud Script Pro" panose="03050502040304050704" pitchFamily="66" charset="0"/>
+                    <a:cs typeface="Dreaming Outloud Script Pro" panose="03050502040304050704" pitchFamily="66" charset="0"/>
+                  </a:rPr>
+                  <a:t>incididunt</a:t>
+                </a:r>
+                <a:r>
+                  <a:rPr lang="en" altLang="ko-Kore-KR" sz="1400" b="0" i="0" dirty="0">
+                    <a:solidFill>
+                      <a:srgbClr val="000000"/>
+                    </a:solidFill>
+                    <a:effectLst/>
+                    <a:latin typeface="Dreaming Outloud Script Pro" panose="03050502040304050704" pitchFamily="66" charset="0"/>
+                    <a:cs typeface="Dreaming Outloud Script Pro" panose="03050502040304050704" pitchFamily="66" charset="0"/>
+                  </a:rPr>
+                  <a:t> </a:t>
+                </a:r>
+                <a:r>
+                  <a:rPr lang="en" altLang="ko-Kore-KR" sz="1400" b="0" i="0" dirty="0" err="1">
+                    <a:solidFill>
+                      <a:srgbClr val="000000"/>
+                    </a:solidFill>
+                    <a:effectLst/>
+                    <a:latin typeface="Dreaming Outloud Script Pro" panose="03050502040304050704" pitchFamily="66" charset="0"/>
+                    <a:cs typeface="Dreaming Outloud Script Pro" panose="03050502040304050704" pitchFamily="66" charset="0"/>
+                  </a:rPr>
+                  <a:t>ut</a:t>
+                </a:r>
+                <a:r>
+                  <a:rPr lang="en" altLang="ko-Kore-KR" sz="1400" b="0" i="0" dirty="0">
+                    <a:solidFill>
+                      <a:srgbClr val="000000"/>
+                    </a:solidFill>
+                    <a:effectLst/>
+                    <a:latin typeface="Dreaming Outloud Script Pro" panose="03050502040304050704" pitchFamily="66" charset="0"/>
+                    <a:cs typeface="Dreaming Outloud Script Pro" panose="03050502040304050704" pitchFamily="66" charset="0"/>
+                  </a:rPr>
+                  <a:t> labore </a:t>
+                </a:r>
+                <a:endParaRPr lang="ko-Kore-KR" altLang="en-US" sz="1400" dirty="0">
+                  <a:latin typeface="Dreaming Outloud Script Pro" panose="03050502040304050704" pitchFamily="66" charset="0"/>
+                  <a:cs typeface="Dreaming Outloud Script Pro" panose="03050502040304050704" pitchFamily="66" charset="0"/>
+                </a:endParaRPr>
+              </a:p>
+            </p:txBody>
+          </p:sp>
+          <p:cxnSp>
+            <p:nvCxnSpPr>
+              <p:cNvPr id="38" name="직선 연결선[R] 37">
+                <a:extLst>
+                  <a:ext uri="{FF2B5EF4-FFF2-40B4-BE49-F238E27FC236}">
+                    <a16:creationId xmlns:a16="http://schemas.microsoft.com/office/drawing/2014/main" id="{6E49A4AE-7321-6A69-3506-E4CA5479259A}"/>
+                  </a:ext>
+                </a:extLst>
+              </p:cNvPr>
+              <p:cNvCxnSpPr/>
+              <p:nvPr/>
+            </p:nvCxnSpPr>
+            <p:spPr>
+              <a:xfrm>
+                <a:off x="322260" y="5370786"/>
+                <a:ext cx="1826782" cy="0"/>
+              </a:xfrm>
+              <a:prstGeom prst="line">
+                <a:avLst/>
+              </a:prstGeom>
+              <a:ln>
+                <a:solidFill>
+                  <a:schemeClr val="tx1"/>
+                </a:solidFill>
+              </a:ln>
+            </p:spPr>
+            <p:style>
+              <a:lnRef idx="2">
+                <a:schemeClr val="accent1"/>
+              </a:lnRef>
+              <a:fillRef idx="0">
+                <a:schemeClr val="accent1"/>
+              </a:fillRef>
+              <a:effectRef idx="1">
+                <a:schemeClr val="accent1"/>
+              </a:effectRef>
+              <a:fontRef idx="minor">
+                <a:schemeClr val="tx1"/>
+              </a:fontRef>
+            </p:style>
+          </p:cxnSp>
+          <p:cxnSp>
+            <p:nvCxnSpPr>
+              <p:cNvPr id="39" name="직선 연결선[R] 38">
+                <a:extLst>
+                  <a:ext uri="{FF2B5EF4-FFF2-40B4-BE49-F238E27FC236}">
+                    <a16:creationId xmlns:a16="http://schemas.microsoft.com/office/drawing/2014/main" id="{F43A30C8-E385-4EB3-C340-5C503D31A68A}"/>
+                  </a:ext>
+                </a:extLst>
+              </p:cNvPr>
+              <p:cNvCxnSpPr/>
+              <p:nvPr/>
+            </p:nvCxnSpPr>
+            <p:spPr>
+              <a:xfrm>
+                <a:off x="322260" y="5428593"/>
+                <a:ext cx="1826782" cy="0"/>
+              </a:xfrm>
+              <a:prstGeom prst="line">
+                <a:avLst/>
+              </a:prstGeom>
+              <a:ln>
+                <a:solidFill>
+                  <a:schemeClr val="tx1"/>
+                </a:solidFill>
+              </a:ln>
+            </p:spPr>
+            <p:style>
+              <a:lnRef idx="2">
+                <a:schemeClr val="accent1"/>
+              </a:lnRef>
+              <a:fillRef idx="0">
+                <a:schemeClr val="accent1"/>
+              </a:fillRef>
+              <a:effectRef idx="1">
+                <a:schemeClr val="accent1"/>
+              </a:effectRef>
+              <a:fontRef idx="minor">
+                <a:schemeClr val="tx1"/>
+              </a:fontRef>
+            </p:style>
+          </p:cxnSp>
+        </p:grpSp>
+        <p:grpSp>
+          <p:nvGrpSpPr>
+            <p:cNvPr id="15" name="그룹 14">
+              <a:extLst>
+                <a:ext uri="{FF2B5EF4-FFF2-40B4-BE49-F238E27FC236}">
+                  <a16:creationId xmlns:a16="http://schemas.microsoft.com/office/drawing/2014/main" id="{FA28AC45-F1D8-604A-2E91-20AACAB1FC95}"/>
+                </a:ext>
+              </a:extLst>
+            </p:cNvPr>
+            <p:cNvGrpSpPr/>
+            <p:nvPr/>
+          </p:nvGrpSpPr>
+          <p:grpSpPr>
+            <a:xfrm>
+              <a:off x="2715816" y="4479729"/>
+              <a:ext cx="4178382" cy="1729600"/>
+              <a:chOff x="3051094" y="4479728"/>
+              <a:chExt cx="4178382" cy="1729600"/>
+            </a:xfrm>
+          </p:grpSpPr>
+          <p:sp>
+            <p:nvSpPr>
+              <p:cNvPr id="17" name="모서리가 둥근 직사각형 16">
+                <a:extLst>
+                  <a:ext uri="{FF2B5EF4-FFF2-40B4-BE49-F238E27FC236}">
+                    <a16:creationId xmlns:a16="http://schemas.microsoft.com/office/drawing/2014/main" id="{1906D12F-EDE0-87E5-CF23-8FA6B46DB96E}"/>
+                  </a:ext>
+                </a:extLst>
+              </p:cNvPr>
+              <p:cNvSpPr/>
+              <p:nvPr/>
+            </p:nvSpPr>
+            <p:spPr>
+              <a:xfrm>
+                <a:off x="3051094" y="4479728"/>
+                <a:ext cx="4178382" cy="1729600"/>
+              </a:xfrm>
+              <a:prstGeom prst="roundRect">
+                <a:avLst/>
+              </a:prstGeom>
+              <a:solidFill>
+                <a:schemeClr val="bg1"/>
+              </a:solidFill>
+              <a:ln>
+                <a:solidFill>
+                  <a:schemeClr val="tx1"/>
+                </a:solidFill>
+              </a:ln>
+            </p:spPr>
+            <p:style>
+              <a:lnRef idx="2">
+                <a:schemeClr val="accent1">
+                  <a:shade val="15000"/>
+                </a:schemeClr>
+              </a:lnRef>
+              <a:fillRef idx="1">
+                <a:schemeClr val="accent1"/>
+              </a:fillRef>
+              <a:effectRef idx="0">
+                <a:schemeClr val="accent1"/>
+              </a:effectRef>
+              <a:fontRef idx="minor">
+                <a:schemeClr val="lt1"/>
+              </a:fontRef>
+            </p:style>
+            <p:txBody>
+              <a:bodyPr rtlCol="0" anchor="ctr"/>
+              <a:lstStyle/>
+              <a:p>
+                <a:pPr algn="ctr"/>
+                <a:endParaRPr kumimoji="1" lang="ko-Kore-KR" altLang="en-US"/>
+              </a:p>
+            </p:txBody>
+          </p:sp>
+          <p:cxnSp>
+            <p:nvCxnSpPr>
+              <p:cNvPr id="18" name="직선 연결선[R] 17">
+                <a:extLst>
+                  <a:ext uri="{FF2B5EF4-FFF2-40B4-BE49-F238E27FC236}">
+                    <a16:creationId xmlns:a16="http://schemas.microsoft.com/office/drawing/2014/main" id="{6DAFD697-C984-5197-0170-BD53256E1F89}"/>
+                  </a:ext>
+                </a:extLst>
+              </p:cNvPr>
+              <p:cNvCxnSpPr/>
+              <p:nvPr/>
+            </p:nvCxnSpPr>
+            <p:spPr>
+              <a:xfrm>
+                <a:off x="3144868" y="5893580"/>
+                <a:ext cx="1826782" cy="0"/>
+              </a:xfrm>
+              <a:prstGeom prst="line">
+                <a:avLst/>
+              </a:prstGeom>
+              <a:ln>
+                <a:solidFill>
+                  <a:schemeClr val="tx1"/>
+                </a:solidFill>
+              </a:ln>
+            </p:spPr>
+            <p:style>
+              <a:lnRef idx="2">
+                <a:schemeClr val="accent1"/>
+              </a:lnRef>
+              <a:fillRef idx="0">
+                <a:schemeClr val="accent1"/>
+              </a:fillRef>
+              <a:effectRef idx="1">
+                <a:schemeClr val="accent1"/>
+              </a:effectRef>
+              <a:fontRef idx="minor">
+                <a:schemeClr val="tx1"/>
+              </a:fontRef>
+            </p:style>
+          </p:cxnSp>
+          <p:sp>
+            <p:nvSpPr>
+              <p:cNvPr id="19" name="직사각형 18">
+                <a:extLst>
+                  <a:ext uri="{FF2B5EF4-FFF2-40B4-BE49-F238E27FC236}">
+                    <a16:creationId xmlns:a16="http://schemas.microsoft.com/office/drawing/2014/main" id="{EAE66F1C-7E45-7505-1F0A-7E8DD023AA0C}"/>
+                  </a:ext>
+                </a:extLst>
+              </p:cNvPr>
+              <p:cNvSpPr/>
+              <p:nvPr/>
+            </p:nvSpPr>
+            <p:spPr>
+              <a:xfrm>
+                <a:off x="3315103" y="5188339"/>
+                <a:ext cx="339103" cy="688745"/>
+              </a:xfrm>
+              <a:prstGeom prst="rect">
+                <a:avLst/>
+              </a:prstGeom>
+              <a:solidFill>
+                <a:schemeClr val="accent1">
+                  <a:lumMod val="20000"/>
+                  <a:lumOff val="80000"/>
+                </a:schemeClr>
+              </a:solidFill>
+              <a:ln>
+                <a:noFill/>
+              </a:ln>
+            </p:spPr>
+            <p:style>
+              <a:lnRef idx="2">
+                <a:schemeClr val="accent1">
+                  <a:shade val="15000"/>
+                </a:schemeClr>
+              </a:lnRef>
+              <a:fillRef idx="1">
+                <a:schemeClr val="accent1"/>
+              </a:fillRef>
+              <a:effectRef idx="0">
+                <a:schemeClr val="accent1"/>
+              </a:effectRef>
+              <a:fontRef idx="minor">
+                <a:schemeClr val="lt1"/>
+              </a:fontRef>
+            </p:style>
+            <p:txBody>
+              <a:bodyPr rtlCol="0" anchor="ctr"/>
+              <a:lstStyle/>
+              <a:p>
+                <a:pPr algn="ctr"/>
+                <a:endParaRPr kumimoji="1" lang="ko-Kore-KR" altLang="en-US" dirty="0"/>
+              </a:p>
+            </p:txBody>
+          </p:sp>
+          <p:sp>
+            <p:nvSpPr>
+              <p:cNvPr id="20" name="직사각형 19">
+                <a:extLst>
+                  <a:ext uri="{FF2B5EF4-FFF2-40B4-BE49-F238E27FC236}">
+                    <a16:creationId xmlns:a16="http://schemas.microsoft.com/office/drawing/2014/main" id="{C3F701B1-CC5D-8A32-021F-2D8F5E67D4D8}"/>
+                  </a:ext>
+                </a:extLst>
+              </p:cNvPr>
+              <p:cNvSpPr/>
+              <p:nvPr/>
+            </p:nvSpPr>
+            <p:spPr>
+              <a:xfrm>
+                <a:off x="3887942" y="4839958"/>
+                <a:ext cx="339103" cy="1044016"/>
+              </a:xfrm>
+              <a:prstGeom prst="rect">
+                <a:avLst/>
+              </a:prstGeom>
+              <a:solidFill>
+                <a:schemeClr val="accent2">
+                  <a:lumMod val="20000"/>
+                  <a:lumOff val="80000"/>
+                </a:schemeClr>
+              </a:solidFill>
+              <a:ln>
+                <a:noFill/>
+              </a:ln>
+            </p:spPr>
+            <p:style>
+              <a:lnRef idx="2">
+                <a:schemeClr val="accent1">
+                  <a:shade val="15000"/>
+                </a:schemeClr>
+              </a:lnRef>
+              <a:fillRef idx="1">
+                <a:schemeClr val="accent1"/>
+              </a:fillRef>
+              <a:effectRef idx="0">
+                <a:schemeClr val="accent1"/>
+              </a:effectRef>
+              <a:fontRef idx="minor">
+                <a:schemeClr val="lt1"/>
+              </a:fontRef>
+            </p:style>
+            <p:txBody>
+              <a:bodyPr rtlCol="0" anchor="ctr"/>
+              <a:lstStyle/>
+              <a:p>
+                <a:pPr algn="ctr"/>
+                <a:endParaRPr kumimoji="1" lang="ko-Kore-KR" altLang="en-US" dirty="0"/>
+              </a:p>
+            </p:txBody>
+          </p:sp>
+          <p:sp>
+            <p:nvSpPr>
+              <p:cNvPr id="21" name="직사각형 20">
+                <a:extLst>
+                  <a:ext uri="{FF2B5EF4-FFF2-40B4-BE49-F238E27FC236}">
+                    <a16:creationId xmlns:a16="http://schemas.microsoft.com/office/drawing/2014/main" id="{F9829066-013E-E2F3-EA78-9124F853334F}"/>
+                  </a:ext>
+                </a:extLst>
+              </p:cNvPr>
+              <p:cNvSpPr/>
+              <p:nvPr/>
+            </p:nvSpPr>
+            <p:spPr>
+              <a:xfrm>
+                <a:off x="4460780" y="5050273"/>
+                <a:ext cx="339103" cy="833434"/>
+              </a:xfrm>
+              <a:prstGeom prst="rect">
+                <a:avLst/>
+              </a:prstGeom>
+              <a:solidFill>
+                <a:schemeClr val="accent3">
+                  <a:lumMod val="20000"/>
+                  <a:lumOff val="80000"/>
+                </a:schemeClr>
+              </a:solidFill>
+              <a:ln>
+                <a:noFill/>
+              </a:ln>
+            </p:spPr>
+            <p:style>
+              <a:lnRef idx="2">
+                <a:schemeClr val="accent1">
+                  <a:shade val="15000"/>
+                </a:schemeClr>
+              </a:lnRef>
+              <a:fillRef idx="1">
+                <a:schemeClr val="accent1"/>
+              </a:fillRef>
+              <a:effectRef idx="0">
+                <a:schemeClr val="accent1"/>
+              </a:effectRef>
+              <a:fontRef idx="minor">
+                <a:schemeClr val="lt1"/>
+              </a:fontRef>
+            </p:style>
+            <p:txBody>
+              <a:bodyPr rtlCol="0" anchor="ctr"/>
+              <a:lstStyle/>
+              <a:p>
+                <a:pPr algn="ctr"/>
+                <a:endParaRPr kumimoji="1" lang="ko-Kore-KR" altLang="en-US" dirty="0"/>
+              </a:p>
+            </p:txBody>
+          </p:sp>
+          <p:sp>
+            <p:nvSpPr>
+              <p:cNvPr id="22" name="TextBox 21">
+                <a:extLst>
+                  <a:ext uri="{FF2B5EF4-FFF2-40B4-BE49-F238E27FC236}">
+                    <a16:creationId xmlns:a16="http://schemas.microsoft.com/office/drawing/2014/main" id="{C6E9FDDA-15F6-5D21-0FBD-D1B869BA58C3}"/>
+                  </a:ext>
+                </a:extLst>
+              </p:cNvPr>
+              <p:cNvSpPr txBox="1"/>
+              <p:nvPr/>
+            </p:nvSpPr>
+            <p:spPr>
+              <a:xfrm>
+                <a:off x="4352604" y="4518248"/>
+                <a:ext cx="1575361" cy="400110"/>
+              </a:xfrm>
+              <a:prstGeom prst="rect">
+                <a:avLst/>
+              </a:prstGeom>
+              <a:noFill/>
+            </p:spPr>
+            <p:txBody>
+              <a:bodyPr wrap="square" rtlCol="0">
+                <a:spAutoFit/>
+              </a:bodyPr>
+              <a:lstStyle/>
+              <a:p>
+                <a:pPr algn="ctr"/>
+                <a:r>
+                  <a:rPr kumimoji="1" lang="en-US" altLang="ko-Kore-KR" sz="2000" dirty="0">
+                    <a:latin typeface="Viner Hand ITC" panose="020F0502020204030204" pitchFamily="34" charset="0"/>
+                    <a:cs typeface="Viner Hand ITC" panose="020F0502020204030204" pitchFamily="34" charset="0"/>
+                  </a:rPr>
+                  <a:t>Numbers</a:t>
+                </a:r>
+                <a:endParaRPr kumimoji="1" lang="ko-Kore-KR" altLang="en-US" sz="2000" dirty="0">
+                  <a:latin typeface="Viner Hand ITC" panose="020F0502020204030204" pitchFamily="34" charset="0"/>
+                  <a:cs typeface="Viner Hand ITC" panose="020F0502020204030204" pitchFamily="34" charset="0"/>
+                </a:endParaRPr>
+              </a:p>
+            </p:txBody>
+          </p:sp>
+          <p:grpSp>
+            <p:nvGrpSpPr>
+              <p:cNvPr id="23" name="그룹 22">
+                <a:extLst>
+                  <a:ext uri="{FF2B5EF4-FFF2-40B4-BE49-F238E27FC236}">
+                    <a16:creationId xmlns:a16="http://schemas.microsoft.com/office/drawing/2014/main" id="{E0BA19D4-5F2F-90A7-2447-E1A21A48F086}"/>
+                  </a:ext>
+                </a:extLst>
+              </p:cNvPr>
+              <p:cNvGrpSpPr/>
+              <p:nvPr/>
+            </p:nvGrpSpPr>
+            <p:grpSpPr>
+              <a:xfrm>
+                <a:off x="5235660" y="4920212"/>
+                <a:ext cx="1826782" cy="984209"/>
+                <a:chOff x="315997" y="1247094"/>
+                <a:chExt cx="1826782" cy="984209"/>
+              </a:xfrm>
+            </p:grpSpPr>
+            <p:sp>
+              <p:nvSpPr>
+                <p:cNvPr id="24" name="직사각형 23">
+                  <a:extLst>
+                    <a:ext uri="{FF2B5EF4-FFF2-40B4-BE49-F238E27FC236}">
+                      <a16:creationId xmlns:a16="http://schemas.microsoft.com/office/drawing/2014/main" id="{BAA5005D-27E7-C328-DB3B-15D39815838C}"/>
+                    </a:ext>
+                  </a:extLst>
+                </p:cNvPr>
+                <p:cNvSpPr/>
+                <p:nvPr/>
+              </p:nvSpPr>
+              <p:spPr>
+                <a:xfrm>
+                  <a:off x="322943" y="1251622"/>
+                  <a:ext cx="1819836" cy="186064"/>
+                </a:xfrm>
+                <a:prstGeom prst="rect">
+                  <a:avLst/>
+                </a:prstGeom>
+                <a:solidFill>
+                  <a:schemeClr val="accent5">
+                    <a:lumMod val="20000"/>
+                    <a:lumOff val="80000"/>
+                  </a:schemeClr>
+                </a:solidFill>
+                <a:ln>
+                  <a:noFill/>
+                </a:ln>
+              </p:spPr>
+              <p:style>
+                <a:lnRef idx="2">
+                  <a:schemeClr val="accent1">
+                    <a:shade val="15000"/>
+                  </a:schemeClr>
+                </a:lnRef>
+                <a:fillRef idx="1">
+                  <a:schemeClr val="accent1"/>
+                </a:fillRef>
+                <a:effectRef idx="0">
+                  <a:schemeClr val="accent1"/>
+                </a:effectRef>
+                <a:fontRef idx="minor">
+                  <a:schemeClr val="lt1"/>
+                </a:fontRef>
+              </p:style>
+              <p:txBody>
+                <a:bodyPr rtlCol="0" anchor="ctr"/>
+                <a:lstStyle/>
+                <a:p>
+                  <a:pPr algn="ctr"/>
+                  <a:endParaRPr kumimoji="1" lang="ko-Kore-KR" altLang="en-US" dirty="0"/>
+                </a:p>
+              </p:txBody>
+            </p:sp>
+            <p:cxnSp>
+              <p:nvCxnSpPr>
+                <p:cNvPr id="25" name="직선 연결선[R] 24">
+                  <a:extLst>
+                    <a:ext uri="{FF2B5EF4-FFF2-40B4-BE49-F238E27FC236}">
+                      <a16:creationId xmlns:a16="http://schemas.microsoft.com/office/drawing/2014/main" id="{5C627133-C1D3-B62A-97E2-45DF3C8353E3}"/>
+                    </a:ext>
+                  </a:extLst>
+                </p:cNvPr>
+                <p:cNvCxnSpPr>
+                  <a:cxnSpLocks/>
+                </p:cNvCxnSpPr>
+                <p:nvPr/>
+              </p:nvCxnSpPr>
+              <p:spPr>
+                <a:xfrm>
+                  <a:off x="315997" y="1251623"/>
+                  <a:ext cx="1826782" cy="0"/>
+                </a:xfrm>
+                <a:prstGeom prst="line">
+                  <a:avLst/>
+                </a:prstGeom>
+                <a:ln>
+                  <a:solidFill>
+                    <a:schemeClr val="tx1"/>
+                  </a:solidFill>
+                </a:ln>
+              </p:spPr>
+              <p:style>
+                <a:lnRef idx="2">
+                  <a:schemeClr val="accent1"/>
+                </a:lnRef>
+                <a:fillRef idx="0">
+                  <a:schemeClr val="accent1"/>
+                </a:fillRef>
+                <a:effectRef idx="1">
+                  <a:schemeClr val="accent1"/>
+                </a:effectRef>
+                <a:fontRef idx="minor">
+                  <a:schemeClr val="tx1"/>
+                </a:fontRef>
+              </p:style>
+            </p:cxnSp>
+            <p:cxnSp>
+              <p:nvCxnSpPr>
+                <p:cNvPr id="26" name="직선 연결선[R] 25">
+                  <a:extLst>
+                    <a:ext uri="{FF2B5EF4-FFF2-40B4-BE49-F238E27FC236}">
+                      <a16:creationId xmlns:a16="http://schemas.microsoft.com/office/drawing/2014/main" id="{15EF0A3D-F027-1379-2A05-410878C2CF92}"/>
+                    </a:ext>
+                  </a:extLst>
+                </p:cNvPr>
+                <p:cNvCxnSpPr>
+                  <a:cxnSpLocks/>
+                </p:cNvCxnSpPr>
+                <p:nvPr/>
+              </p:nvCxnSpPr>
+              <p:spPr>
+                <a:xfrm>
+                  <a:off x="315997" y="1447559"/>
+                  <a:ext cx="1826782" cy="0"/>
+                </a:xfrm>
+                <a:prstGeom prst="line">
+                  <a:avLst/>
+                </a:prstGeom>
+                <a:ln>
+                  <a:solidFill>
+                    <a:schemeClr val="tx1"/>
+                  </a:solidFill>
+                </a:ln>
+              </p:spPr>
+              <p:style>
+                <a:lnRef idx="2">
+                  <a:schemeClr val="accent1"/>
+                </a:lnRef>
+                <a:fillRef idx="0">
+                  <a:schemeClr val="accent1"/>
+                </a:fillRef>
+                <a:effectRef idx="1">
+                  <a:schemeClr val="accent1"/>
+                </a:effectRef>
+                <a:fontRef idx="minor">
+                  <a:schemeClr val="tx1"/>
+                </a:fontRef>
+              </p:style>
+            </p:cxnSp>
+            <p:cxnSp>
+              <p:nvCxnSpPr>
+                <p:cNvPr id="27" name="직선 연결선[R] 26">
+                  <a:extLst>
+                    <a:ext uri="{FF2B5EF4-FFF2-40B4-BE49-F238E27FC236}">
+                      <a16:creationId xmlns:a16="http://schemas.microsoft.com/office/drawing/2014/main" id="{77696637-1156-65F3-551C-1E8E135AC6D7}"/>
+                    </a:ext>
+                  </a:extLst>
+                </p:cNvPr>
+                <p:cNvCxnSpPr>
+                  <a:cxnSpLocks/>
+                </p:cNvCxnSpPr>
+                <p:nvPr/>
+              </p:nvCxnSpPr>
+              <p:spPr>
+                <a:xfrm>
+                  <a:off x="315997" y="1643495"/>
+                  <a:ext cx="1826782" cy="0"/>
+                </a:xfrm>
+                <a:prstGeom prst="line">
+                  <a:avLst/>
+                </a:prstGeom>
+                <a:ln>
+                  <a:solidFill>
+                    <a:schemeClr val="tx1"/>
+                  </a:solidFill>
+                </a:ln>
+              </p:spPr>
+              <p:style>
+                <a:lnRef idx="2">
+                  <a:schemeClr val="accent1"/>
+                </a:lnRef>
+                <a:fillRef idx="0">
+                  <a:schemeClr val="accent1"/>
+                </a:fillRef>
+                <a:effectRef idx="1">
+                  <a:schemeClr val="accent1"/>
+                </a:effectRef>
+                <a:fontRef idx="minor">
+                  <a:schemeClr val="tx1"/>
+                </a:fontRef>
+              </p:style>
+            </p:cxnSp>
+            <p:cxnSp>
+              <p:nvCxnSpPr>
+                <p:cNvPr id="28" name="직선 연결선[R] 27">
+                  <a:extLst>
+                    <a:ext uri="{FF2B5EF4-FFF2-40B4-BE49-F238E27FC236}">
+                      <a16:creationId xmlns:a16="http://schemas.microsoft.com/office/drawing/2014/main" id="{A91013C5-E829-0FC2-217F-1B8575CFCE8B}"/>
+                    </a:ext>
+                  </a:extLst>
+                </p:cNvPr>
+                <p:cNvCxnSpPr>
+                  <a:cxnSpLocks/>
+                </p:cNvCxnSpPr>
+                <p:nvPr/>
+              </p:nvCxnSpPr>
+              <p:spPr>
+                <a:xfrm>
+                  <a:off x="315997" y="1839431"/>
+                  <a:ext cx="1826782" cy="0"/>
+                </a:xfrm>
+                <a:prstGeom prst="line">
+                  <a:avLst/>
+                </a:prstGeom>
+                <a:ln>
+                  <a:solidFill>
+                    <a:schemeClr val="tx1"/>
+                  </a:solidFill>
+                </a:ln>
+              </p:spPr>
+              <p:style>
+                <a:lnRef idx="2">
+                  <a:schemeClr val="accent1"/>
+                </a:lnRef>
+                <a:fillRef idx="0">
+                  <a:schemeClr val="accent1"/>
+                </a:fillRef>
+                <a:effectRef idx="1">
+                  <a:schemeClr val="accent1"/>
+                </a:effectRef>
+                <a:fontRef idx="minor">
+                  <a:schemeClr val="tx1"/>
+                </a:fontRef>
+              </p:style>
+            </p:cxnSp>
+            <p:cxnSp>
+              <p:nvCxnSpPr>
+                <p:cNvPr id="29" name="직선 연결선[R] 28">
+                  <a:extLst>
+                    <a:ext uri="{FF2B5EF4-FFF2-40B4-BE49-F238E27FC236}">
+                      <a16:creationId xmlns:a16="http://schemas.microsoft.com/office/drawing/2014/main" id="{17C74251-179E-D93F-AB0B-704A0F735B30}"/>
+                    </a:ext>
+                  </a:extLst>
+                </p:cNvPr>
+                <p:cNvCxnSpPr>
+                  <a:cxnSpLocks/>
+                </p:cNvCxnSpPr>
+                <p:nvPr/>
+              </p:nvCxnSpPr>
+              <p:spPr>
+                <a:xfrm>
+                  <a:off x="315997" y="2035367"/>
+                  <a:ext cx="1826782" cy="0"/>
+                </a:xfrm>
+                <a:prstGeom prst="line">
+                  <a:avLst/>
+                </a:prstGeom>
+                <a:ln>
+                  <a:solidFill>
+                    <a:schemeClr val="tx1"/>
+                  </a:solidFill>
+                </a:ln>
+              </p:spPr>
+              <p:style>
+                <a:lnRef idx="2">
+                  <a:schemeClr val="accent1"/>
+                </a:lnRef>
+                <a:fillRef idx="0">
+                  <a:schemeClr val="accent1"/>
+                </a:fillRef>
+                <a:effectRef idx="1">
+                  <a:schemeClr val="accent1"/>
+                </a:effectRef>
+                <a:fontRef idx="minor">
+                  <a:schemeClr val="tx1"/>
+                </a:fontRef>
+              </p:style>
+            </p:cxnSp>
+            <p:cxnSp>
+              <p:nvCxnSpPr>
+                <p:cNvPr id="30" name="직선 연결선[R] 29">
+                  <a:extLst>
+                    <a:ext uri="{FF2B5EF4-FFF2-40B4-BE49-F238E27FC236}">
+                      <a16:creationId xmlns:a16="http://schemas.microsoft.com/office/drawing/2014/main" id="{36667277-8890-C07B-BC84-61147B23140F}"/>
+                    </a:ext>
+                  </a:extLst>
+                </p:cNvPr>
+                <p:cNvCxnSpPr>
+                  <a:cxnSpLocks/>
+                </p:cNvCxnSpPr>
+                <p:nvPr/>
+              </p:nvCxnSpPr>
+              <p:spPr>
+                <a:xfrm>
+                  <a:off x="315997" y="2231303"/>
+                  <a:ext cx="1826782" cy="0"/>
+                </a:xfrm>
+                <a:prstGeom prst="line">
+                  <a:avLst/>
+                </a:prstGeom>
+                <a:ln>
+                  <a:solidFill>
+                    <a:schemeClr val="tx1"/>
+                  </a:solidFill>
+                </a:ln>
+              </p:spPr>
+              <p:style>
+                <a:lnRef idx="2">
+                  <a:schemeClr val="accent1"/>
+                </a:lnRef>
+                <a:fillRef idx="0">
+                  <a:schemeClr val="accent1"/>
+                </a:fillRef>
+                <a:effectRef idx="1">
+                  <a:schemeClr val="accent1"/>
+                </a:effectRef>
+                <a:fontRef idx="minor">
+                  <a:schemeClr val="tx1"/>
+                </a:fontRef>
+              </p:style>
+            </p:cxnSp>
+            <p:cxnSp>
+              <p:nvCxnSpPr>
+                <p:cNvPr id="31" name="직선 연결선[R] 30">
+                  <a:extLst>
+                    <a:ext uri="{FF2B5EF4-FFF2-40B4-BE49-F238E27FC236}">
+                      <a16:creationId xmlns:a16="http://schemas.microsoft.com/office/drawing/2014/main" id="{FFBA1450-21A6-6DD8-9F47-42F3F4F40DF7}"/>
+                    </a:ext>
+                  </a:extLst>
+                </p:cNvPr>
+                <p:cNvCxnSpPr>
+                  <a:cxnSpLocks/>
+                </p:cNvCxnSpPr>
+                <p:nvPr/>
+              </p:nvCxnSpPr>
+              <p:spPr>
+                <a:xfrm flipV="1">
+                  <a:off x="668813" y="1251623"/>
+                  <a:ext cx="0" cy="979680"/>
+                </a:xfrm>
+                <a:prstGeom prst="line">
+                  <a:avLst/>
+                </a:prstGeom>
+                <a:ln>
+                  <a:solidFill>
+                    <a:schemeClr val="tx1"/>
+                  </a:solidFill>
+                </a:ln>
+              </p:spPr>
+              <p:style>
+                <a:lnRef idx="2">
+                  <a:schemeClr val="accent1"/>
+                </a:lnRef>
+                <a:fillRef idx="0">
+                  <a:schemeClr val="accent1"/>
+                </a:fillRef>
+                <a:effectRef idx="1">
+                  <a:schemeClr val="accent1"/>
+                </a:effectRef>
+                <a:fontRef idx="minor">
+                  <a:schemeClr val="tx1"/>
+                </a:fontRef>
+              </p:style>
+            </p:cxnSp>
+            <p:cxnSp>
+              <p:nvCxnSpPr>
+                <p:cNvPr id="32" name="직선 연결선[R] 31">
+                  <a:extLst>
+                    <a:ext uri="{FF2B5EF4-FFF2-40B4-BE49-F238E27FC236}">
+                      <a16:creationId xmlns:a16="http://schemas.microsoft.com/office/drawing/2014/main" id="{009BD202-1EF5-21F7-539D-6BA39B9E3668}"/>
+                    </a:ext>
+                  </a:extLst>
+                </p:cNvPr>
+                <p:cNvCxnSpPr>
+                  <a:cxnSpLocks/>
+                </p:cNvCxnSpPr>
+                <p:nvPr/>
+              </p:nvCxnSpPr>
+              <p:spPr>
+                <a:xfrm flipV="1">
+                  <a:off x="1284676" y="1251623"/>
+                  <a:ext cx="0" cy="979680"/>
+                </a:xfrm>
+                <a:prstGeom prst="line">
+                  <a:avLst/>
+                </a:prstGeom>
+                <a:ln>
+                  <a:solidFill>
+                    <a:schemeClr val="tx1"/>
+                  </a:solidFill>
+                </a:ln>
+              </p:spPr>
+              <p:style>
+                <a:lnRef idx="2">
+                  <a:schemeClr val="accent1"/>
+                </a:lnRef>
+                <a:fillRef idx="0">
+                  <a:schemeClr val="accent1"/>
+                </a:fillRef>
+                <a:effectRef idx="1">
+                  <a:schemeClr val="accent1"/>
+                </a:effectRef>
+                <a:fontRef idx="minor">
+                  <a:schemeClr val="tx1"/>
+                </a:fontRef>
+              </p:style>
+            </p:cxnSp>
+            <p:cxnSp>
+              <p:nvCxnSpPr>
+                <p:cNvPr id="33" name="직선 연결선[R] 32">
+                  <a:extLst>
+                    <a:ext uri="{FF2B5EF4-FFF2-40B4-BE49-F238E27FC236}">
+                      <a16:creationId xmlns:a16="http://schemas.microsoft.com/office/drawing/2014/main" id="{F52E28E6-71DA-DD4C-96FE-F084442552E5}"/>
+                    </a:ext>
+                  </a:extLst>
+                </p:cNvPr>
+                <p:cNvCxnSpPr>
+                  <a:cxnSpLocks/>
+                </p:cNvCxnSpPr>
+                <p:nvPr/>
+              </p:nvCxnSpPr>
+              <p:spPr>
+                <a:xfrm flipV="1">
+                  <a:off x="2142779" y="1251623"/>
+                  <a:ext cx="0" cy="979680"/>
+                </a:xfrm>
+                <a:prstGeom prst="line">
+                  <a:avLst/>
+                </a:prstGeom>
+                <a:ln>
+                  <a:solidFill>
+                    <a:schemeClr val="tx1"/>
+                  </a:solidFill>
+                </a:ln>
+              </p:spPr>
+              <p:style>
+                <a:lnRef idx="2">
+                  <a:schemeClr val="accent1"/>
+                </a:lnRef>
+                <a:fillRef idx="0">
+                  <a:schemeClr val="accent1"/>
+                </a:fillRef>
+                <a:effectRef idx="1">
+                  <a:schemeClr val="accent1"/>
+                </a:effectRef>
+                <a:fontRef idx="minor">
+                  <a:schemeClr val="tx1"/>
+                </a:fontRef>
+              </p:style>
+            </p:cxnSp>
+            <p:cxnSp>
+              <p:nvCxnSpPr>
+                <p:cNvPr id="34" name="직선 연결선[R] 33">
+                  <a:extLst>
+                    <a:ext uri="{FF2B5EF4-FFF2-40B4-BE49-F238E27FC236}">
+                      <a16:creationId xmlns:a16="http://schemas.microsoft.com/office/drawing/2014/main" id="{BEFE9991-2BBF-966C-189D-053976CB9BA3}"/>
+                    </a:ext>
+                  </a:extLst>
+                </p:cNvPr>
+                <p:cNvCxnSpPr>
+                  <a:cxnSpLocks/>
+                </p:cNvCxnSpPr>
+                <p:nvPr/>
+              </p:nvCxnSpPr>
+              <p:spPr>
+                <a:xfrm flipV="1">
+                  <a:off x="322943" y="1247094"/>
+                  <a:ext cx="0" cy="979680"/>
+                </a:xfrm>
+                <a:prstGeom prst="line">
+                  <a:avLst/>
+                </a:prstGeom>
+                <a:ln>
+                  <a:solidFill>
+                    <a:schemeClr val="tx1"/>
+                  </a:solidFill>
+                </a:ln>
+              </p:spPr>
+              <p:style>
+                <a:lnRef idx="2">
+                  <a:schemeClr val="accent1"/>
+                </a:lnRef>
+                <a:fillRef idx="0">
+                  <a:schemeClr val="accent1"/>
+                </a:fillRef>
+                <a:effectRef idx="1">
+                  <a:schemeClr val="accent1"/>
+                </a:effectRef>
+                <a:fontRef idx="minor">
+                  <a:schemeClr val="tx1"/>
+                </a:fontRef>
+              </p:style>
+            </p:cxnSp>
+          </p:grpSp>
+        </p:grpSp>
+        <p:sp>
+          <p:nvSpPr>
+            <p:cNvPr id="16" name="TextBox 15">
+              <a:extLst>
+                <a:ext uri="{FF2B5EF4-FFF2-40B4-BE49-F238E27FC236}">
+                  <a16:creationId xmlns:a16="http://schemas.microsoft.com/office/drawing/2014/main" id="{2D2E270D-8E98-BD4B-D84D-B70C2EE42C89}"/>
+                </a:ext>
+              </a:extLst>
+            </p:cNvPr>
+            <p:cNvSpPr txBox="1"/>
+            <p:nvPr/>
+          </p:nvSpPr>
+          <p:spPr>
+            <a:xfrm>
+              <a:off x="1342380" y="3951231"/>
+              <a:ext cx="4420567" cy="553998"/>
+            </a:xfrm>
+            <a:prstGeom prst="rect">
+              <a:avLst/>
+            </a:prstGeom>
+            <a:noFill/>
+          </p:spPr>
+          <p:txBody>
+            <a:bodyPr wrap="square" rtlCol="0">
+              <a:spAutoFit/>
+            </a:bodyPr>
+            <a:lstStyle/>
+            <a:p>
+              <a:pPr algn="ctr"/>
+              <a:r>
+                <a:rPr kumimoji="1" lang="en-US" altLang="ko-KR" sz="3000" b="1" dirty="0">
+                  <a:latin typeface="Freesentation 8 ExtraBold" pitchFamily="2" charset="-127"/>
+                  <a:ea typeface="Freesentation 8 ExtraBold" pitchFamily="2" charset="-127"/>
+                  <a:cs typeface="Viner Hand ITC" panose="020F0502020204030204" pitchFamily="34" charset="0"/>
+                </a:rPr>
+                <a:t>Data Sources</a:t>
+              </a:r>
+              <a:endParaRPr kumimoji="1" lang="ko-Kore-KR" altLang="en-US" sz="3000" b="1" dirty="0">
+                <a:latin typeface="Freesentation 8 ExtraBold" pitchFamily="2" charset="-127"/>
+                <a:ea typeface="Freesentation 8 ExtraBold" pitchFamily="2" charset="-127"/>
+                <a:cs typeface="Viner Hand ITC" panose="020F0502020204030204" pitchFamily="34" charset="0"/>
+              </a:endParaRPr>
+            </a:p>
+          </p:txBody>
+        </p:sp>
+      </p:grpSp>
+      <p:sp>
+        <p:nvSpPr>
+          <p:cNvPr id="40" name="모서리가 둥근 직사각형 39">
+            <a:extLst>
+              <a:ext uri="{FF2B5EF4-FFF2-40B4-BE49-F238E27FC236}">
+                <a16:creationId xmlns:a16="http://schemas.microsoft.com/office/drawing/2014/main" id="{78ABB020-8A46-799D-CD28-0A64BCBC71BC}"/>
+              </a:ext>
+            </a:extLst>
+          </p:cNvPr>
+          <p:cNvSpPr/>
+          <p:nvPr/>
+        </p:nvSpPr>
+        <p:spPr>
+          <a:xfrm>
+            <a:off x="7086600" y="3244437"/>
+            <a:ext cx="3343275" cy="3142507"/>
+          </a:xfrm>
+          <a:prstGeom prst="roundRect">
+            <a:avLst>
+              <a:gd name="adj" fmla="val 9918"/>
+            </a:avLst>
+          </a:prstGeom>
+          <a:solidFill>
+            <a:schemeClr val="bg1"/>
+          </a:solidFill>
+          <a:ln>
+            <a:solidFill>
+              <a:schemeClr val="tx1"/>
+            </a:solidFill>
+          </a:ln>
+        </p:spPr>
+        <p:style>
+          <a:lnRef idx="2">
+            <a:schemeClr val="accent1">
+              <a:shade val="15000"/>
+            </a:schemeClr>
+          </a:lnRef>
+          <a:fillRef idx="1">
+            <a:schemeClr val="accent1"/>
+          </a:fillRef>
+          <a:effectRef idx="0">
+            <a:schemeClr val="accent1"/>
+          </a:effectRef>
+          <a:fontRef idx="minor">
+            <a:schemeClr val="lt1"/>
+          </a:fontRef>
+        </p:style>
+        <p:txBody>
+          <a:bodyPr rtlCol="0" anchor="ctr"/>
+          <a:lstStyle/>
+          <a:p>
+            <a:pPr algn="ctr"/>
+            <a:endParaRPr kumimoji="1" lang="ko-Kore-KR" altLang="en-US"/>
+          </a:p>
+        </p:txBody>
+      </p:sp>
+      <p:pic>
+        <p:nvPicPr>
+          <p:cNvPr id="41" name="그림 40" descr="그래픽, 다채로움, 창의성, 그래픽 디자인이(가) 표시된 사진&#10;&#10;자동 생성된 설명">
+            <a:extLst>
+              <a:ext uri="{FF2B5EF4-FFF2-40B4-BE49-F238E27FC236}">
+                <a16:creationId xmlns:a16="http://schemas.microsoft.com/office/drawing/2014/main" id="{60A7AA8A-BD10-AA16-654B-F665B177B7A8}"/>
+              </a:ext>
+            </a:extLst>
+          </p:cNvPr>
+          <p:cNvPicPr>
+            <a:picLocks noChangeAspect="1"/>
+          </p:cNvPicPr>
+          <p:nvPr/>
+        </p:nvPicPr>
+        <p:blipFill>
+          <a:blip r:embed="rId7"/>
+          <a:stretch>
+            <a:fillRect/>
+          </a:stretch>
+        </p:blipFill>
+        <p:spPr>
+          <a:xfrm>
+            <a:off x="7495948" y="3639918"/>
+            <a:ext cx="2351543" cy="2351543"/>
+          </a:xfrm>
+          <a:prstGeom prst="rect">
+            <a:avLst/>
+          </a:prstGeom>
+        </p:spPr>
+      </p:pic>
+      <p:sp>
+        <p:nvSpPr>
+          <p:cNvPr id="42" name="TextBox 41">
+            <a:extLst>
+              <a:ext uri="{FF2B5EF4-FFF2-40B4-BE49-F238E27FC236}">
+                <a16:creationId xmlns:a16="http://schemas.microsoft.com/office/drawing/2014/main" id="{224C0F07-C976-802B-4A13-FBC8A36596B8}"/>
+              </a:ext>
+            </a:extLst>
+          </p:cNvPr>
+          <p:cNvSpPr txBox="1"/>
+          <p:nvPr/>
+        </p:nvSpPr>
+        <p:spPr>
+          <a:xfrm>
+            <a:off x="8296048" y="4983839"/>
+            <a:ext cx="1852751" cy="707886"/>
+          </a:xfrm>
+          <a:prstGeom prst="rect">
+            <a:avLst/>
+          </a:prstGeom>
+          <a:noFill/>
+        </p:spPr>
+        <p:txBody>
+          <a:bodyPr wrap="none" rtlCol="0">
+            <a:spAutoFit/>
+          </a:bodyPr>
+          <a:lstStyle/>
+          <a:p>
+            <a:pPr algn="ctr"/>
+            <a:r>
+              <a:rPr kumimoji="1" lang="en-US" altLang="ko-KR" sz="4000" b="1" dirty="0">
+                <a:ln w="19050">
+                  <a:solidFill>
+                    <a:schemeClr val="bg1"/>
+                  </a:solidFill>
+                </a:ln>
+                <a:latin typeface="Freesentation 8 ExtraBold" pitchFamily="2" charset="-127"/>
+                <a:ea typeface="Freesentation 8 ExtraBold" pitchFamily="2" charset="-127"/>
+                <a:cs typeface="Viner Hand ITC" panose="020F0502020204030204" pitchFamily="34" charset="0"/>
+              </a:rPr>
+              <a:t>Airflow</a:t>
+            </a:r>
+            <a:endParaRPr kumimoji="1" lang="ko-Kore-KR" altLang="en-US" sz="4000" b="1" dirty="0">
+              <a:ln w="19050">
+                <a:solidFill>
+                  <a:schemeClr val="bg1"/>
+                </a:solidFill>
+              </a:ln>
+              <a:latin typeface="Freesentation 8 ExtraBold" pitchFamily="2" charset="-127"/>
+              <a:ea typeface="Freesentation 8 ExtraBold" pitchFamily="2" charset="-127"/>
+              <a:cs typeface="Viner Hand ITC" panose="020F0502020204030204" pitchFamily="34" charset="0"/>
+            </a:endParaRPr>
+          </a:p>
+        </p:txBody>
+      </p:sp>
+    </p:spTree>
+    <p:extLst>
+      <p:ext uri="{BB962C8B-B14F-4D97-AF65-F5344CB8AC3E}">
+        <p14:creationId xmlns:p14="http://schemas.microsoft.com/office/powerpoint/2010/main" val="1686233870"/>
+      </p:ext>
+    </p:extLst>
+  </p:cSld>
+  <p:clrMapOvr>
+    <a:masterClrMapping/>
+  </p:clrMapOvr>
+</p:sld>
+</file>
+
+<file path=ppt/slides/slide5.xml><?xml version="1.0" encoding="utf-8"?>
+<p:sld xmlns:a="http://schemas.openxmlformats.org/drawingml/2006/main" xmlns:r="http://schemas.openxmlformats.org/officeDocument/2006/relationships" xmlns:p="http://schemas.openxmlformats.org/presentationml/2006/main">
+  <p:cSld>
+    <p:spTree>
+      <p:nvGrpSpPr>
+        <p:cNvPr id="1" name="">
+          <a:extLst>
+            <a:ext uri="{FF2B5EF4-FFF2-40B4-BE49-F238E27FC236}">
+              <a16:creationId xmlns:a16="http://schemas.microsoft.com/office/drawing/2014/main" id="{94691D63-581D-2B55-E7D8-51B9EEF74E86}"/>
+            </a:ext>
+          </a:extLst>
+        </p:cNvPr>
+        <p:cNvGrpSpPr/>
+        <p:nvPr/>
+      </p:nvGrpSpPr>
+      <p:grpSpPr>
+        <a:xfrm>
+          <a:off x="0" y="0"/>
+          <a:ext cx="0" cy="0"/>
+          <a:chOff x="0" y="0"/>
+          <a:chExt cx="0" cy="0"/>
+        </a:xfrm>
+      </p:grpSpPr>
+      <p:sp>
+        <p:nvSpPr>
+          <p:cNvPr id="69" name="모서리가 둥근 직사각형 68">
+            <a:extLst>
+              <a:ext uri="{FF2B5EF4-FFF2-40B4-BE49-F238E27FC236}">
+                <a16:creationId xmlns:a16="http://schemas.microsoft.com/office/drawing/2014/main" id="{3AA740B5-9F1A-3364-C58A-CF393170D487}"/>
+              </a:ext>
+            </a:extLst>
+          </p:cNvPr>
+          <p:cNvSpPr/>
+          <p:nvPr/>
+        </p:nvSpPr>
+        <p:spPr>
+          <a:xfrm>
+            <a:off x="777024" y="3769484"/>
+            <a:ext cx="2244347" cy="767137"/>
+          </a:xfrm>
+          <a:prstGeom prst="roundRect">
+            <a:avLst/>
+          </a:prstGeom>
+          <a:solidFill>
+            <a:schemeClr val="bg1"/>
+          </a:solidFill>
+          <a:ln>
+            <a:solidFill>
+              <a:schemeClr val="tx1"/>
+            </a:solidFill>
+          </a:ln>
+        </p:spPr>
+        <p:style>
+          <a:lnRef idx="2">
+            <a:schemeClr val="accent1">
+              <a:shade val="15000"/>
+            </a:schemeClr>
+          </a:lnRef>
+          <a:fillRef idx="1">
+            <a:schemeClr val="accent1"/>
+          </a:fillRef>
+          <a:effectRef idx="0">
+            <a:schemeClr val="accent1"/>
+          </a:effectRef>
+          <a:fontRef idx="minor">
+            <a:schemeClr val="lt1"/>
+          </a:fontRef>
+        </p:style>
+        <p:txBody>
+          <a:bodyPr rtlCol="0" anchor="ctr"/>
+          <a:lstStyle/>
+          <a:p>
+            <a:pPr algn="ctr"/>
+            <a:endParaRPr kumimoji="1" lang="ko-Kore-KR" altLang="en-US"/>
+          </a:p>
+        </p:txBody>
+      </p:sp>
+      <p:cxnSp>
+        <p:nvCxnSpPr>
+          <p:cNvPr id="48" name="직선 화살표 연결선 47">
+            <a:extLst>
+              <a:ext uri="{FF2B5EF4-FFF2-40B4-BE49-F238E27FC236}">
+                <a16:creationId xmlns:a16="http://schemas.microsoft.com/office/drawing/2014/main" id="{3E29A2CB-FE85-BEDA-FF96-B64CF205A8DB}"/>
+              </a:ext>
+            </a:extLst>
+          </p:cNvPr>
+          <p:cNvCxnSpPr>
+            <a:cxnSpLocks/>
+          </p:cNvCxnSpPr>
+          <p:nvPr/>
+        </p:nvCxnSpPr>
+        <p:spPr>
+          <a:xfrm>
+            <a:off x="2800377" y="1081230"/>
+            <a:ext cx="1801411" cy="0"/>
+          </a:xfrm>
+          <a:prstGeom prst="straightConnector1">
+            <a:avLst/>
+          </a:prstGeom>
+          <a:ln w="31750">
+            <a:solidFill>
+              <a:schemeClr val="tx1"/>
+            </a:solidFill>
+            <a:round/>
+            <a:tailEnd type="triangle"/>
+          </a:ln>
+        </p:spPr>
+        <p:style>
+          <a:lnRef idx="2">
+            <a:schemeClr val="accent1"/>
+          </a:lnRef>
+          <a:fillRef idx="0">
+            <a:schemeClr val="accent1"/>
+          </a:fillRef>
+          <a:effectRef idx="1">
+            <a:schemeClr val="accent1"/>
+          </a:effectRef>
+          <a:fontRef idx="minor">
+            <a:schemeClr val="tx1"/>
+          </a:fontRef>
+        </p:style>
+      </p:cxnSp>
+      <p:pic>
+        <p:nvPicPr>
+          <p:cNvPr id="34" name="그림 33" descr="텍스트, 스크린샷, 폰트, 라인이(가) 표시된 사진&#10;&#10;자동 생성된 설명">
+            <a:extLst>
+              <a:ext uri="{FF2B5EF4-FFF2-40B4-BE49-F238E27FC236}">
+                <a16:creationId xmlns:a16="http://schemas.microsoft.com/office/drawing/2014/main" id="{C109A699-282B-AFB6-E0EE-75500146AD04}"/>
+              </a:ext>
+            </a:extLst>
+          </p:cNvPr>
+          <p:cNvPicPr>
+            <a:picLocks noChangeAspect="1"/>
+          </p:cNvPicPr>
+          <p:nvPr/>
+        </p:nvPicPr>
+        <p:blipFill>
+          <a:blip r:embed="rId2"/>
+          <a:stretch>
+            <a:fillRect/>
+          </a:stretch>
+        </p:blipFill>
+        <p:spPr>
+          <a:xfrm>
+            <a:off x="213986" y="625967"/>
+            <a:ext cx="2508250" cy="958752"/>
+          </a:xfrm>
+          <a:prstGeom prst="rect">
+            <a:avLst/>
+          </a:prstGeom>
+        </p:spPr>
+      </p:pic>
+      <p:pic>
+        <p:nvPicPr>
+          <p:cNvPr id="40" name="그림 39" descr="그래픽, 그래픽 디자인, 로고, 창의성이(가) 표시된 사진&#10;&#10;자동 생성된 설명">
+            <a:extLst>
+              <a:ext uri="{FF2B5EF4-FFF2-40B4-BE49-F238E27FC236}">
+                <a16:creationId xmlns:a16="http://schemas.microsoft.com/office/drawing/2014/main" id="{F711E098-53CB-B96F-D2D0-885982EB981A}"/>
+              </a:ext>
+            </a:extLst>
+          </p:cNvPr>
+          <p:cNvPicPr>
+            <a:picLocks noChangeAspect="1"/>
+          </p:cNvPicPr>
+          <p:nvPr/>
+        </p:nvPicPr>
+        <p:blipFill>
+          <a:blip r:embed="rId3"/>
+          <a:stretch>
+            <a:fillRect/>
+          </a:stretch>
+        </p:blipFill>
+        <p:spPr>
+          <a:xfrm>
+            <a:off x="4740521" y="625967"/>
+            <a:ext cx="1020360" cy="958753"/>
+          </a:xfrm>
+          <a:prstGeom prst="rect">
+            <a:avLst/>
+          </a:prstGeom>
+        </p:spPr>
+      </p:pic>
+      <p:sp>
+        <p:nvSpPr>
+          <p:cNvPr id="43" name="TextBox 42">
+            <a:extLst>
+              <a:ext uri="{FF2B5EF4-FFF2-40B4-BE49-F238E27FC236}">
+                <a16:creationId xmlns:a16="http://schemas.microsoft.com/office/drawing/2014/main" id="{E7C7E89E-DE9C-CA17-680F-FBC05AEC5FA4}"/>
+              </a:ext>
+            </a:extLst>
+          </p:cNvPr>
+          <p:cNvSpPr txBox="1"/>
+          <p:nvPr/>
+        </p:nvSpPr>
+        <p:spPr>
+          <a:xfrm>
+            <a:off x="2939110" y="850397"/>
+            <a:ext cx="1438215" cy="461665"/>
+          </a:xfrm>
+          <a:prstGeom prst="rect">
+            <a:avLst/>
+          </a:prstGeom>
+          <a:solidFill>
+            <a:schemeClr val="bg1"/>
+          </a:solidFill>
+        </p:spPr>
+        <p:txBody>
+          <a:bodyPr wrap="none" rtlCol="0">
+            <a:spAutoFit/>
+          </a:bodyPr>
+          <a:lstStyle/>
+          <a:p>
+            <a:pPr algn="ctr"/>
+            <a:r>
+              <a:rPr kumimoji="1" lang="ko-KR" altLang="en-US" sz="2400" b="1" dirty="0">
+                <a:latin typeface="Freesentation 8 ExtraBold" pitchFamily="2" charset="-127"/>
+                <a:ea typeface="Freesentation 8 ExtraBold" pitchFamily="2" charset="-127"/>
+                <a:cs typeface="Viner Hand ITC" panose="020F0502020204030204" pitchFamily="34" charset="0"/>
+              </a:rPr>
+              <a:t>데이터 수집</a:t>
+            </a:r>
+            <a:endParaRPr kumimoji="1" lang="ko-Kore-KR" altLang="en-US" sz="2400" b="1" dirty="0">
+              <a:latin typeface="Freesentation 8 ExtraBold" pitchFamily="2" charset="-127"/>
+              <a:ea typeface="Freesentation 8 ExtraBold" pitchFamily="2" charset="-127"/>
+              <a:cs typeface="Viner Hand ITC" panose="020F0502020204030204" pitchFamily="34" charset="0"/>
+            </a:endParaRPr>
+          </a:p>
+        </p:txBody>
+      </p:sp>
+      <p:grpSp>
+        <p:nvGrpSpPr>
+          <p:cNvPr id="63" name="그룹 62">
+            <a:extLst>
+              <a:ext uri="{FF2B5EF4-FFF2-40B4-BE49-F238E27FC236}">
+                <a16:creationId xmlns:a16="http://schemas.microsoft.com/office/drawing/2014/main" id="{A931E8A8-1EDF-762E-8B80-68F1E1984D7B}"/>
+              </a:ext>
+            </a:extLst>
+          </p:cNvPr>
+          <p:cNvGrpSpPr/>
+          <p:nvPr/>
+        </p:nvGrpSpPr>
+        <p:grpSpPr>
+          <a:xfrm>
+            <a:off x="1755419" y="2688925"/>
+            <a:ext cx="1685925" cy="1257293"/>
+            <a:chOff x="2728913" y="3929063"/>
+            <a:chExt cx="1685925" cy="1257293"/>
+          </a:xfrm>
+        </p:grpSpPr>
+        <p:sp>
+          <p:nvSpPr>
+            <p:cNvPr id="60" name="모서리가 둥근 직사각형 59">
+              <a:extLst>
+                <a:ext uri="{FF2B5EF4-FFF2-40B4-BE49-F238E27FC236}">
+                  <a16:creationId xmlns:a16="http://schemas.microsoft.com/office/drawing/2014/main" id="{78A2F12A-F79F-8C58-B710-2147DFD1EBE9}"/>
+                </a:ext>
+              </a:extLst>
+            </p:cNvPr>
+            <p:cNvSpPr/>
+            <p:nvPr/>
+          </p:nvSpPr>
+          <p:spPr>
+            <a:xfrm>
+              <a:off x="2728913" y="3929063"/>
+              <a:ext cx="1685925" cy="1257293"/>
+            </a:xfrm>
+            <a:prstGeom prst="roundRect">
+              <a:avLst/>
+            </a:prstGeom>
+            <a:solidFill>
+              <a:schemeClr val="bg1"/>
+            </a:solidFill>
+            <a:ln>
+              <a:solidFill>
+                <a:schemeClr val="tx1"/>
+              </a:solidFill>
+            </a:ln>
+          </p:spPr>
+          <p:style>
+            <a:lnRef idx="2">
+              <a:schemeClr val="accent1">
+                <a:shade val="15000"/>
+              </a:schemeClr>
+            </a:lnRef>
+            <a:fillRef idx="1">
+              <a:schemeClr val="accent1"/>
+            </a:fillRef>
+            <a:effectRef idx="0">
+              <a:schemeClr val="accent1"/>
+            </a:effectRef>
+            <a:fontRef idx="minor">
+              <a:schemeClr val="lt1"/>
+            </a:fontRef>
+          </p:style>
+          <p:txBody>
+            <a:bodyPr rtlCol="0" anchor="ctr"/>
+            <a:lstStyle/>
+            <a:p>
+              <a:pPr algn="ctr"/>
+              <a:endParaRPr kumimoji="1" lang="ko-Kore-KR" altLang="en-US"/>
+            </a:p>
+          </p:txBody>
+        </p:sp>
+        <p:pic>
+          <p:nvPicPr>
+            <p:cNvPr id="61" name="그림 60">
+              <a:extLst>
+                <a:ext uri="{FF2B5EF4-FFF2-40B4-BE49-F238E27FC236}">
+                  <a16:creationId xmlns:a16="http://schemas.microsoft.com/office/drawing/2014/main" id="{D46304E0-CA9F-37CC-8415-5193075110AE}"/>
+                </a:ext>
+              </a:extLst>
+            </p:cNvPr>
+            <p:cNvPicPr>
+              <a:picLocks noChangeAspect="1"/>
+            </p:cNvPicPr>
+            <p:nvPr/>
+          </p:nvPicPr>
+          <p:blipFill>
+            <a:blip r:embed="rId4"/>
+            <a:srcRect/>
+            <a:stretch/>
+          </p:blipFill>
+          <p:spPr>
+            <a:xfrm>
+              <a:off x="2868087" y="4158829"/>
+              <a:ext cx="850793" cy="850793"/>
+            </a:xfrm>
+            <a:prstGeom prst="rect">
+              <a:avLst/>
+            </a:prstGeom>
+          </p:spPr>
+        </p:pic>
+        <p:sp>
+          <p:nvSpPr>
+            <p:cNvPr id="62" name="TextBox 61">
+              <a:extLst>
+                <a:ext uri="{FF2B5EF4-FFF2-40B4-BE49-F238E27FC236}">
+                  <a16:creationId xmlns:a16="http://schemas.microsoft.com/office/drawing/2014/main" id="{26CD3937-AF82-D517-1B29-6F7E1C469E66}"/>
+                </a:ext>
+              </a:extLst>
+            </p:cNvPr>
+            <p:cNvSpPr txBox="1"/>
+            <p:nvPr/>
+          </p:nvSpPr>
+          <p:spPr>
+            <a:xfrm>
+              <a:off x="2961823" y="4455624"/>
+              <a:ext cx="1350371" cy="553998"/>
+            </a:xfrm>
+            <a:prstGeom prst="rect">
+              <a:avLst/>
+            </a:prstGeom>
+            <a:noFill/>
+          </p:spPr>
+          <p:txBody>
+            <a:bodyPr wrap="none" rtlCol="0">
+              <a:spAutoFit/>
+            </a:bodyPr>
+            <a:lstStyle/>
+            <a:p>
+              <a:pPr algn="ctr"/>
+              <a:r>
+                <a:rPr kumimoji="1" lang="en-US" altLang="ko-KR" sz="3000" b="1" dirty="0">
+                  <a:ln w="12700">
+                    <a:solidFill>
+                      <a:schemeClr val="bg1"/>
+                    </a:solidFill>
+                  </a:ln>
+                  <a:latin typeface="Freesentation 8 ExtraBold" pitchFamily="2" charset="-127"/>
+                  <a:ea typeface="Freesentation 8 ExtraBold" pitchFamily="2" charset="-127"/>
+                  <a:cs typeface="Viner Hand ITC" panose="020F0502020204030204" pitchFamily="34" charset="0"/>
+                </a:rPr>
+                <a:t>Elastic</a:t>
+              </a:r>
+              <a:endParaRPr kumimoji="1" lang="ko-Kore-KR" altLang="en-US" sz="3000" b="1" dirty="0">
+                <a:ln w="12700">
+                  <a:solidFill>
+                    <a:schemeClr val="bg1"/>
+                  </a:solidFill>
+                </a:ln>
+                <a:latin typeface="Freesentation 8 ExtraBold" pitchFamily="2" charset="-127"/>
+                <a:ea typeface="Freesentation 8 ExtraBold" pitchFamily="2" charset="-127"/>
+                <a:cs typeface="Viner Hand ITC" panose="020F0502020204030204" pitchFamily="34" charset="0"/>
+              </a:endParaRPr>
+            </a:p>
+          </p:txBody>
+        </p:sp>
+      </p:grpSp>
+      <p:cxnSp>
+        <p:nvCxnSpPr>
+          <p:cNvPr id="64" name="직선 화살표 연결선 63">
+            <a:extLst>
+              <a:ext uri="{FF2B5EF4-FFF2-40B4-BE49-F238E27FC236}">
+                <a16:creationId xmlns:a16="http://schemas.microsoft.com/office/drawing/2014/main" id="{BF887EFD-82C7-5D07-C1E7-1372BD2D11DA}"/>
+              </a:ext>
+            </a:extLst>
+          </p:cNvPr>
+          <p:cNvCxnSpPr>
+            <a:cxnSpLocks/>
+          </p:cNvCxnSpPr>
+          <p:nvPr/>
+        </p:nvCxnSpPr>
+        <p:spPr>
+          <a:xfrm flipH="1">
+            <a:off x="3480695" y="1597174"/>
+            <a:ext cx="1183593" cy="1148898"/>
+          </a:xfrm>
+          <a:prstGeom prst="straightConnector1">
+            <a:avLst/>
+          </a:prstGeom>
+          <a:ln w="31750">
+            <a:solidFill>
+              <a:schemeClr val="tx1"/>
+            </a:solidFill>
+            <a:round/>
+            <a:tailEnd type="triangle"/>
+          </a:ln>
+        </p:spPr>
+        <p:style>
+          <a:lnRef idx="2">
+            <a:schemeClr val="accent1"/>
+          </a:lnRef>
+          <a:fillRef idx="0">
+            <a:schemeClr val="accent1"/>
+          </a:fillRef>
+          <a:effectRef idx="1">
+            <a:schemeClr val="accent1"/>
+          </a:effectRef>
+          <a:fontRef idx="minor">
+            <a:schemeClr val="tx1"/>
+          </a:fontRef>
+        </p:style>
+      </p:cxnSp>
+      <p:sp>
+        <p:nvSpPr>
+          <p:cNvPr id="65" name="TextBox 64">
+            <a:extLst>
+              <a:ext uri="{FF2B5EF4-FFF2-40B4-BE49-F238E27FC236}">
+                <a16:creationId xmlns:a16="http://schemas.microsoft.com/office/drawing/2014/main" id="{6E480731-4898-B162-9DC3-E71B8BED9B4F}"/>
+              </a:ext>
+            </a:extLst>
+          </p:cNvPr>
+          <p:cNvSpPr txBox="1"/>
+          <p:nvPr/>
+        </p:nvSpPr>
+        <p:spPr>
+          <a:xfrm>
+            <a:off x="1902408" y="1905989"/>
+            <a:ext cx="3288081" cy="461665"/>
+          </a:xfrm>
+          <a:prstGeom prst="rect">
+            <a:avLst/>
+          </a:prstGeom>
+          <a:solidFill>
+            <a:schemeClr val="bg1"/>
+          </a:solidFill>
+        </p:spPr>
+        <p:txBody>
+          <a:bodyPr wrap="none" rtlCol="0">
+            <a:spAutoFit/>
+          </a:bodyPr>
+          <a:lstStyle/>
+          <a:p>
+            <a:pPr algn="ctr"/>
+            <a:r>
+              <a:rPr kumimoji="1" lang="ko-KR" altLang="en-US" sz="2400" b="1" dirty="0">
+                <a:latin typeface="Freesentation 8 ExtraBold" pitchFamily="2" charset="-127"/>
+                <a:ea typeface="Freesentation 8 ExtraBold" pitchFamily="2" charset="-127"/>
+                <a:cs typeface="Viner Hand ITC" panose="020F0502020204030204" pitchFamily="34" charset="0"/>
+              </a:rPr>
+              <a:t>주기적인 데이터 갱신 및 저장</a:t>
+            </a:r>
+            <a:endParaRPr kumimoji="1" lang="ko-Kore-KR" altLang="en-US" sz="2400" b="1" dirty="0">
+              <a:latin typeface="Freesentation 8 ExtraBold" pitchFamily="2" charset="-127"/>
+              <a:ea typeface="Freesentation 8 ExtraBold" pitchFamily="2" charset="-127"/>
+              <a:cs typeface="Viner Hand ITC" panose="020F0502020204030204" pitchFamily="34" charset="0"/>
+            </a:endParaRPr>
+          </a:p>
+        </p:txBody>
+      </p:sp>
+      <p:sp>
+        <p:nvSpPr>
+          <p:cNvPr id="70" name="TextBox 69">
+            <a:extLst>
+              <a:ext uri="{FF2B5EF4-FFF2-40B4-BE49-F238E27FC236}">
+                <a16:creationId xmlns:a16="http://schemas.microsoft.com/office/drawing/2014/main" id="{3B67C792-979B-CFCD-8C87-F5C694A35C68}"/>
+              </a:ext>
+            </a:extLst>
+          </p:cNvPr>
+          <p:cNvSpPr txBox="1"/>
+          <p:nvPr/>
+        </p:nvSpPr>
+        <p:spPr>
+          <a:xfrm>
+            <a:off x="736244" y="3999250"/>
+            <a:ext cx="2285127" cy="400110"/>
+          </a:xfrm>
+          <a:prstGeom prst="rect">
+            <a:avLst/>
+          </a:prstGeom>
+          <a:noFill/>
+        </p:spPr>
+        <p:txBody>
+          <a:bodyPr wrap="square" rtlCol="0">
+            <a:spAutoFit/>
+          </a:bodyPr>
+          <a:lstStyle/>
+          <a:p>
+            <a:pPr algn="ctr"/>
+            <a:r>
+              <a:rPr kumimoji="1" lang="en-US" altLang="ko-KR" sz="2000" b="1" dirty="0">
+                <a:latin typeface="Freesentation 8 ExtraBold" pitchFamily="2" charset="-127"/>
+                <a:ea typeface="Freesentation 8 ExtraBold" pitchFamily="2" charset="-127"/>
+                <a:cs typeface="Viner Hand ITC" panose="020F0502020204030204" pitchFamily="34" charset="0"/>
+              </a:rPr>
+              <a:t>Vector Database</a:t>
+            </a:r>
+            <a:endParaRPr kumimoji="1" lang="ko-Kore-KR" altLang="en-US" sz="2000" b="1" dirty="0">
+              <a:latin typeface="Freesentation 8 ExtraBold" pitchFamily="2" charset="-127"/>
+              <a:ea typeface="Freesentation 8 ExtraBold" pitchFamily="2" charset="-127"/>
+              <a:cs typeface="Viner Hand ITC" panose="020F0502020204030204" pitchFamily="34" charset="0"/>
+            </a:endParaRPr>
+          </a:p>
+        </p:txBody>
+      </p:sp>
+      <p:grpSp>
+        <p:nvGrpSpPr>
+          <p:cNvPr id="79" name="그룹 78">
+            <a:extLst>
+              <a:ext uri="{FF2B5EF4-FFF2-40B4-BE49-F238E27FC236}">
+                <a16:creationId xmlns:a16="http://schemas.microsoft.com/office/drawing/2014/main" id="{2B0353FC-94E9-98E6-D837-72316A133EC5}"/>
+              </a:ext>
+            </a:extLst>
+          </p:cNvPr>
+          <p:cNvGrpSpPr/>
+          <p:nvPr/>
+        </p:nvGrpSpPr>
+        <p:grpSpPr>
+          <a:xfrm>
+            <a:off x="5931488" y="1868573"/>
+            <a:ext cx="2642619" cy="892750"/>
+            <a:chOff x="5250701" y="3490069"/>
+            <a:chExt cx="2642619" cy="892750"/>
+          </a:xfrm>
+        </p:grpSpPr>
+        <p:pic>
+          <p:nvPicPr>
+            <p:cNvPr id="72" name="그림 71" descr="폰트, 그래픽, 로고, 상징이(가) 표시된 사진&#10;&#10;자동 생성된 설명">
+              <a:extLst>
+                <a:ext uri="{FF2B5EF4-FFF2-40B4-BE49-F238E27FC236}">
+                  <a16:creationId xmlns:a16="http://schemas.microsoft.com/office/drawing/2014/main" id="{3AD6C399-020F-F030-89BE-7D0AC56DB5EF}"/>
+                </a:ext>
+              </a:extLst>
+            </p:cNvPr>
+            <p:cNvPicPr>
+              <a:picLocks noChangeAspect="1"/>
+            </p:cNvPicPr>
+            <p:nvPr/>
+          </p:nvPicPr>
+          <p:blipFill>
+            <a:blip r:embed="rId5"/>
+            <a:stretch>
+              <a:fillRect/>
+            </a:stretch>
+          </p:blipFill>
+          <p:spPr>
+            <a:xfrm>
+              <a:off x="5964507" y="3490069"/>
+              <a:ext cx="1928813" cy="877610"/>
+            </a:xfrm>
+            <a:prstGeom prst="rect">
+              <a:avLst/>
+            </a:prstGeom>
+          </p:spPr>
+        </p:pic>
+        <p:pic>
+          <p:nvPicPr>
+            <p:cNvPr id="74" name="그림 73" descr="클립아트, 상징, 그래픽, 만화 영화이(가) 표시된 사진&#10;&#10;자동 생성된 설명">
+              <a:extLst>
+                <a:ext uri="{FF2B5EF4-FFF2-40B4-BE49-F238E27FC236}">
+                  <a16:creationId xmlns:a16="http://schemas.microsoft.com/office/drawing/2014/main" id="{03D494C4-DBC2-1003-24AC-3FEF03BFEAB5}"/>
+                </a:ext>
+              </a:extLst>
+            </p:cNvPr>
+            <p:cNvPicPr>
+              <a:picLocks noChangeAspect="1"/>
+            </p:cNvPicPr>
+            <p:nvPr/>
+          </p:nvPicPr>
+          <p:blipFill>
+            <a:blip r:embed="rId6"/>
+            <a:stretch>
+              <a:fillRect/>
+            </a:stretch>
+          </p:blipFill>
+          <p:spPr>
+            <a:xfrm>
+              <a:off x="5250701" y="3615681"/>
+              <a:ext cx="699518" cy="767138"/>
+            </a:xfrm>
+            <a:prstGeom prst="rect">
+              <a:avLst/>
+            </a:prstGeom>
+          </p:spPr>
+        </p:pic>
+      </p:grpSp>
+      <p:cxnSp>
+        <p:nvCxnSpPr>
+          <p:cNvPr id="80" name="직선 화살표 연결선 79">
+            <a:extLst>
+              <a:ext uri="{FF2B5EF4-FFF2-40B4-BE49-F238E27FC236}">
+                <a16:creationId xmlns:a16="http://schemas.microsoft.com/office/drawing/2014/main" id="{ABA69C63-2DD7-C386-F4E3-9D1D28AA50A0}"/>
+              </a:ext>
+            </a:extLst>
+          </p:cNvPr>
+          <p:cNvCxnSpPr>
+            <a:cxnSpLocks/>
+          </p:cNvCxnSpPr>
+          <p:nvPr/>
+        </p:nvCxnSpPr>
+        <p:spPr>
+          <a:xfrm flipV="1">
+            <a:off x="3594934" y="2377754"/>
+            <a:ext cx="2165947" cy="939817"/>
+          </a:xfrm>
+          <a:prstGeom prst="straightConnector1">
+            <a:avLst/>
+          </a:prstGeom>
+          <a:ln w="31750">
+            <a:solidFill>
+              <a:schemeClr val="tx1"/>
+            </a:solidFill>
+            <a:round/>
+            <a:tailEnd type="triangle"/>
+          </a:ln>
+        </p:spPr>
+        <p:style>
+          <a:lnRef idx="2">
+            <a:schemeClr val="accent1"/>
+          </a:lnRef>
+          <a:fillRef idx="0">
+            <a:schemeClr val="accent1"/>
+          </a:fillRef>
+          <a:effectRef idx="1">
+            <a:schemeClr val="accent1"/>
+          </a:effectRef>
+          <a:fontRef idx="minor">
+            <a:schemeClr val="tx1"/>
+          </a:fontRef>
+        </p:style>
+      </p:cxnSp>
+      <p:pic>
+        <p:nvPicPr>
+          <p:cNvPr id="84" name="그림 83" descr="폰트, 로고, 그래픽, 상징이(가) 표시된 사진&#10;&#10;자동 생성된 설명">
+            <a:extLst>
+              <a:ext uri="{FF2B5EF4-FFF2-40B4-BE49-F238E27FC236}">
+                <a16:creationId xmlns:a16="http://schemas.microsoft.com/office/drawing/2014/main" id="{C06BB2C1-226D-11AF-94C0-C0FD53FA58B7}"/>
+              </a:ext>
+            </a:extLst>
+          </p:cNvPr>
+          <p:cNvPicPr>
+            <a:picLocks noChangeAspect="1"/>
+          </p:cNvPicPr>
+          <p:nvPr/>
+        </p:nvPicPr>
+        <p:blipFill>
+          <a:blip r:embed="rId7"/>
+          <a:stretch>
+            <a:fillRect/>
+          </a:stretch>
+        </p:blipFill>
+        <p:spPr>
+          <a:xfrm>
+            <a:off x="5921307" y="3807925"/>
+            <a:ext cx="2561512" cy="687814"/>
+          </a:xfrm>
+          <a:prstGeom prst="rect">
+            <a:avLst/>
+          </a:prstGeom>
+        </p:spPr>
+      </p:pic>
+      <p:cxnSp>
+        <p:nvCxnSpPr>
+          <p:cNvPr id="89" name="직선 화살표 연결선 88">
+            <a:extLst>
+              <a:ext uri="{FF2B5EF4-FFF2-40B4-BE49-F238E27FC236}">
+                <a16:creationId xmlns:a16="http://schemas.microsoft.com/office/drawing/2014/main" id="{BA166D04-1140-56BD-62B9-5EE2487287CC}"/>
+              </a:ext>
+            </a:extLst>
+          </p:cNvPr>
+          <p:cNvCxnSpPr>
+            <a:cxnSpLocks/>
+          </p:cNvCxnSpPr>
+          <p:nvPr/>
+        </p:nvCxnSpPr>
+        <p:spPr>
+          <a:xfrm flipH="1">
+            <a:off x="3231045" y="4151832"/>
+            <a:ext cx="2398230" cy="0"/>
+          </a:xfrm>
+          <a:prstGeom prst="straightConnector1">
+            <a:avLst/>
+          </a:prstGeom>
+          <a:ln w="31750">
+            <a:solidFill>
+              <a:schemeClr val="tx1"/>
+            </a:solidFill>
+            <a:round/>
+            <a:tailEnd type="triangle"/>
+          </a:ln>
+        </p:spPr>
+        <p:style>
+          <a:lnRef idx="2">
+            <a:schemeClr val="accent1"/>
+          </a:lnRef>
+          <a:fillRef idx="0">
+            <a:schemeClr val="accent1"/>
+          </a:fillRef>
+          <a:effectRef idx="1">
+            <a:schemeClr val="accent1"/>
+          </a:effectRef>
+          <a:fontRef idx="minor">
+            <a:schemeClr val="tx1"/>
+          </a:fontRef>
+        </p:style>
+      </p:cxnSp>
+      <p:sp>
+        <p:nvSpPr>
+          <p:cNvPr id="83" name="TextBox 82">
+            <a:extLst>
+              <a:ext uri="{FF2B5EF4-FFF2-40B4-BE49-F238E27FC236}">
+                <a16:creationId xmlns:a16="http://schemas.microsoft.com/office/drawing/2014/main" id="{EA0300D0-5A0D-CD39-8E44-E9295108D545}"/>
+              </a:ext>
+            </a:extLst>
+          </p:cNvPr>
+          <p:cNvSpPr txBox="1"/>
+          <p:nvPr/>
+        </p:nvSpPr>
+        <p:spPr>
+          <a:xfrm>
+            <a:off x="3999766" y="3914686"/>
+            <a:ext cx="901209" cy="461665"/>
+          </a:xfrm>
+          <a:prstGeom prst="rect">
+            <a:avLst/>
+          </a:prstGeom>
+          <a:solidFill>
+            <a:schemeClr val="bg1"/>
+          </a:solidFill>
+        </p:spPr>
+        <p:txBody>
+          <a:bodyPr wrap="none" rtlCol="0">
+            <a:spAutoFit/>
+          </a:bodyPr>
+          <a:lstStyle/>
+          <a:p>
+            <a:pPr algn="ctr"/>
+            <a:r>
+              <a:rPr kumimoji="1" lang="ko-KR" altLang="en-US" sz="2400" b="1" dirty="0" err="1">
+                <a:latin typeface="Freesentation 8 ExtraBold" pitchFamily="2" charset="-127"/>
+                <a:ea typeface="Freesentation 8 ExtraBold" pitchFamily="2" charset="-127"/>
+                <a:cs typeface="Viner Hand ITC" panose="020F0502020204030204" pitchFamily="34" charset="0"/>
+              </a:rPr>
+              <a:t>임베딩</a:t>
+            </a:r>
+            <a:endParaRPr kumimoji="1" lang="ko-Kore-KR" altLang="en-US" sz="2400" b="1" dirty="0">
+              <a:latin typeface="Freesentation 8 ExtraBold" pitchFamily="2" charset="-127"/>
+              <a:ea typeface="Freesentation 8 ExtraBold" pitchFamily="2" charset="-127"/>
+              <a:cs typeface="Viner Hand ITC" panose="020F0502020204030204" pitchFamily="34" charset="0"/>
+            </a:endParaRPr>
+          </a:p>
+        </p:txBody>
+      </p:sp>
+      <p:cxnSp>
+        <p:nvCxnSpPr>
+          <p:cNvPr id="86" name="직선 화살표 연결선 85">
+            <a:extLst>
+              <a:ext uri="{FF2B5EF4-FFF2-40B4-BE49-F238E27FC236}">
+                <a16:creationId xmlns:a16="http://schemas.microsoft.com/office/drawing/2014/main" id="{A6EA548A-8736-2C1F-6AED-EFB822225D9B}"/>
+              </a:ext>
+            </a:extLst>
+          </p:cNvPr>
+          <p:cNvCxnSpPr>
+            <a:cxnSpLocks/>
+          </p:cNvCxnSpPr>
+          <p:nvPr/>
+        </p:nvCxnSpPr>
+        <p:spPr>
+          <a:xfrm>
+            <a:off x="7273503" y="2860911"/>
+            <a:ext cx="0" cy="1018454"/>
+          </a:xfrm>
+          <a:prstGeom prst="straightConnector1">
+            <a:avLst/>
+          </a:prstGeom>
+          <a:ln w="31750">
+            <a:solidFill>
+              <a:schemeClr val="tx1"/>
+            </a:solidFill>
+            <a:round/>
+            <a:tailEnd type="triangle"/>
+          </a:ln>
+        </p:spPr>
+        <p:style>
+          <a:lnRef idx="2">
+            <a:schemeClr val="accent1"/>
+          </a:lnRef>
+          <a:fillRef idx="0">
+            <a:schemeClr val="accent1"/>
+          </a:fillRef>
+          <a:effectRef idx="1">
+            <a:schemeClr val="accent1"/>
+          </a:effectRef>
+          <a:fontRef idx="minor">
+            <a:schemeClr val="tx1"/>
+          </a:fontRef>
+        </p:style>
+      </p:cxnSp>
+      <p:sp>
+        <p:nvSpPr>
+          <p:cNvPr id="100" name="TextBox 99">
+            <a:extLst>
+              <a:ext uri="{FF2B5EF4-FFF2-40B4-BE49-F238E27FC236}">
+                <a16:creationId xmlns:a16="http://schemas.microsoft.com/office/drawing/2014/main" id="{BA864FE2-D6C4-AA04-2710-37658EE6844E}"/>
+              </a:ext>
+            </a:extLst>
+          </p:cNvPr>
+          <p:cNvSpPr txBox="1"/>
+          <p:nvPr/>
+        </p:nvSpPr>
+        <p:spPr>
+          <a:xfrm>
+            <a:off x="6392296" y="3113253"/>
+            <a:ext cx="1212191" cy="461665"/>
+          </a:xfrm>
+          <a:prstGeom prst="rect">
+            <a:avLst/>
+          </a:prstGeom>
+          <a:solidFill>
+            <a:schemeClr val="bg1"/>
+          </a:solidFill>
+        </p:spPr>
+        <p:txBody>
+          <a:bodyPr wrap="none" rtlCol="0">
+            <a:spAutoFit/>
+          </a:bodyPr>
+          <a:lstStyle/>
+          <a:p>
+            <a:pPr algn="ctr"/>
+            <a:r>
+              <a:rPr kumimoji="1" lang="en-US" altLang="ko-KR" sz="2400" b="1" dirty="0">
+                <a:latin typeface="Freesentation 8 ExtraBold" pitchFamily="2" charset="-127"/>
+                <a:ea typeface="Freesentation 8 ExtraBold" pitchFamily="2" charset="-127"/>
+                <a:cs typeface="Viner Hand ITC" panose="020F0502020204030204" pitchFamily="34" charset="0"/>
+              </a:rPr>
+              <a:t>API </a:t>
+            </a:r>
+            <a:r>
+              <a:rPr kumimoji="1" lang="ko-KR" altLang="en-US" sz="2400" b="1" dirty="0">
+                <a:latin typeface="Freesentation 8 ExtraBold" pitchFamily="2" charset="-127"/>
+                <a:ea typeface="Freesentation 8 ExtraBold" pitchFamily="2" charset="-127"/>
+                <a:cs typeface="Viner Hand ITC" panose="020F0502020204030204" pitchFamily="34" charset="0"/>
+              </a:rPr>
+              <a:t>요청</a:t>
+            </a:r>
+            <a:endParaRPr kumimoji="1" lang="ko-Kore-KR" altLang="en-US" sz="2400" b="1" dirty="0">
+              <a:latin typeface="Freesentation 8 ExtraBold" pitchFamily="2" charset="-127"/>
+              <a:ea typeface="Freesentation 8 ExtraBold" pitchFamily="2" charset="-127"/>
+              <a:cs typeface="Viner Hand ITC" panose="020F0502020204030204" pitchFamily="34" charset="0"/>
+            </a:endParaRPr>
+          </a:p>
+        </p:txBody>
+      </p:sp>
+      <p:sp>
+        <p:nvSpPr>
+          <p:cNvPr id="107" name="TextBox 106">
+            <a:extLst>
+              <a:ext uri="{FF2B5EF4-FFF2-40B4-BE49-F238E27FC236}">
+                <a16:creationId xmlns:a16="http://schemas.microsoft.com/office/drawing/2014/main" id="{4ACFE4D3-B1BE-4328-E1C0-57AABEED9383}"/>
+              </a:ext>
+            </a:extLst>
+          </p:cNvPr>
+          <p:cNvSpPr txBox="1"/>
+          <p:nvPr/>
+        </p:nvSpPr>
+        <p:spPr>
+          <a:xfrm>
+            <a:off x="4100559" y="2687858"/>
+            <a:ext cx="1468672" cy="461665"/>
+          </a:xfrm>
+          <a:prstGeom prst="rect">
+            <a:avLst/>
+          </a:prstGeom>
+          <a:solidFill>
+            <a:schemeClr val="bg1"/>
+          </a:solidFill>
+        </p:spPr>
+        <p:txBody>
+          <a:bodyPr wrap="none" rtlCol="0">
+            <a:spAutoFit/>
+          </a:bodyPr>
+          <a:lstStyle/>
+          <a:p>
+            <a:pPr algn="ctr"/>
+            <a:r>
+              <a:rPr kumimoji="1" lang="en-US" altLang="ko-KR" sz="2400" b="1" dirty="0">
+                <a:latin typeface="Freesentation 8 ExtraBold" pitchFamily="2" charset="-127"/>
+                <a:ea typeface="Freesentation 8 ExtraBold" pitchFamily="2" charset="-127"/>
+                <a:cs typeface="Viner Hand ITC" panose="020F0502020204030204" pitchFamily="34" charset="0"/>
+              </a:rPr>
+              <a:t>Database</a:t>
+            </a:r>
+            <a:endParaRPr kumimoji="1" lang="ko-Kore-KR" altLang="en-US" sz="2400" b="1" dirty="0">
+              <a:latin typeface="Freesentation 8 ExtraBold" pitchFamily="2" charset="-127"/>
+              <a:ea typeface="Freesentation 8 ExtraBold" pitchFamily="2" charset="-127"/>
+              <a:cs typeface="Viner Hand ITC" panose="020F0502020204030204" pitchFamily="34" charset="0"/>
+            </a:endParaRPr>
+          </a:p>
+        </p:txBody>
+      </p:sp>
+      <p:pic>
+        <p:nvPicPr>
+          <p:cNvPr id="109" name="그래픽 108" descr="채팅 윤곽선">
+            <a:extLst>
+              <a:ext uri="{FF2B5EF4-FFF2-40B4-BE49-F238E27FC236}">
+                <a16:creationId xmlns:a16="http://schemas.microsoft.com/office/drawing/2014/main" id="{1A5A7A60-B17E-2630-B70F-6D85368148F3}"/>
+              </a:ext>
+            </a:extLst>
+          </p:cNvPr>
+          <p:cNvPicPr>
+            <a:picLocks noChangeAspect="1"/>
+          </p:cNvPicPr>
+          <p:nvPr/>
+        </p:nvPicPr>
+        <p:blipFill>
+          <a:blip r:embed="rId8">
+            <a:extLst>
+              <a:ext uri="{96DAC541-7B7A-43D3-8B79-37D633B846F1}">
+                <asvg:svgBlip xmlns:asvg="http://schemas.microsoft.com/office/drawing/2016/SVG/main" r:embed="rId9"/>
+              </a:ext>
+            </a:extLst>
+          </a:blip>
+          <a:stretch>
+            <a:fillRect/>
+          </a:stretch>
+        </p:blipFill>
+        <p:spPr>
+          <a:xfrm>
+            <a:off x="10141256" y="1423948"/>
+            <a:ext cx="1928813" cy="1928813"/>
+          </a:xfrm>
+          <a:prstGeom prst="rect">
+            <a:avLst/>
+          </a:prstGeom>
+        </p:spPr>
+      </p:pic>
+      <p:cxnSp>
+        <p:nvCxnSpPr>
+          <p:cNvPr id="110" name="직선 화살표 연결선 109">
+            <a:extLst>
+              <a:ext uri="{FF2B5EF4-FFF2-40B4-BE49-F238E27FC236}">
+                <a16:creationId xmlns:a16="http://schemas.microsoft.com/office/drawing/2014/main" id="{6299F854-0DE7-BCAD-76DC-243E800E8672}"/>
+              </a:ext>
+            </a:extLst>
+          </p:cNvPr>
+          <p:cNvCxnSpPr>
+            <a:cxnSpLocks/>
+          </p:cNvCxnSpPr>
+          <p:nvPr/>
+        </p:nvCxnSpPr>
+        <p:spPr>
+          <a:xfrm flipH="1" flipV="1">
+            <a:off x="8710545" y="2300959"/>
+            <a:ext cx="1430711" cy="6419"/>
+          </a:xfrm>
+          <a:prstGeom prst="straightConnector1">
+            <a:avLst/>
+          </a:prstGeom>
+          <a:ln w="31750">
+            <a:solidFill>
+              <a:schemeClr val="tx1"/>
+            </a:solidFill>
+            <a:round/>
+            <a:tailEnd type="triangle"/>
+          </a:ln>
+        </p:spPr>
+        <p:style>
+          <a:lnRef idx="2">
+            <a:schemeClr val="accent1"/>
+          </a:lnRef>
+          <a:fillRef idx="0">
+            <a:schemeClr val="accent1"/>
+          </a:fillRef>
+          <a:effectRef idx="1">
+            <a:schemeClr val="accent1"/>
+          </a:effectRef>
+          <a:fontRef idx="minor">
+            <a:schemeClr val="tx1"/>
+          </a:fontRef>
+        </p:style>
+      </p:cxnSp>
+      <p:sp>
+        <p:nvSpPr>
+          <p:cNvPr id="115" name="TextBox 114">
+            <a:extLst>
+              <a:ext uri="{FF2B5EF4-FFF2-40B4-BE49-F238E27FC236}">
+                <a16:creationId xmlns:a16="http://schemas.microsoft.com/office/drawing/2014/main" id="{0E88D84A-6812-1110-5C59-F1D18FF287CD}"/>
+              </a:ext>
+            </a:extLst>
+          </p:cNvPr>
+          <p:cNvSpPr txBox="1"/>
+          <p:nvPr/>
+        </p:nvSpPr>
+        <p:spPr>
+          <a:xfrm>
+            <a:off x="8666870" y="1725260"/>
+            <a:ext cx="1438215" cy="461665"/>
+          </a:xfrm>
+          <a:prstGeom prst="rect">
+            <a:avLst/>
+          </a:prstGeom>
+          <a:solidFill>
+            <a:schemeClr val="bg1"/>
+          </a:solidFill>
+        </p:spPr>
+        <p:txBody>
+          <a:bodyPr wrap="none" rtlCol="0">
+            <a:spAutoFit/>
+          </a:bodyPr>
+          <a:lstStyle/>
+          <a:p>
+            <a:pPr algn="ctr"/>
+            <a:r>
+              <a:rPr kumimoji="1" lang="ko-KR" altLang="en-US" sz="2400" b="1" dirty="0">
+                <a:latin typeface="Freesentation 8 ExtraBold" pitchFamily="2" charset="-127"/>
+                <a:ea typeface="Freesentation 8 ExtraBold" pitchFamily="2" charset="-127"/>
+                <a:cs typeface="Viner Hand ITC" panose="020F0502020204030204" pitchFamily="34" charset="0"/>
+              </a:rPr>
+              <a:t>사용자 쿼리</a:t>
+            </a:r>
+            <a:endParaRPr kumimoji="1" lang="ko-Kore-KR" altLang="en-US" sz="2400" b="1" dirty="0">
+              <a:latin typeface="Freesentation 8 ExtraBold" pitchFamily="2" charset="-127"/>
+              <a:ea typeface="Freesentation 8 ExtraBold" pitchFamily="2" charset="-127"/>
+              <a:cs typeface="Viner Hand ITC" panose="020F0502020204030204" pitchFamily="34" charset="0"/>
+            </a:endParaRPr>
+          </a:p>
+        </p:txBody>
+      </p:sp>
+      <p:cxnSp>
+        <p:nvCxnSpPr>
+          <p:cNvPr id="116" name="직선 화살표 연결선 115">
+            <a:extLst>
+              <a:ext uri="{FF2B5EF4-FFF2-40B4-BE49-F238E27FC236}">
+                <a16:creationId xmlns:a16="http://schemas.microsoft.com/office/drawing/2014/main" id="{93337FA5-6CAB-2EFA-29AA-52F6CB22DA0D}"/>
+              </a:ext>
+            </a:extLst>
+          </p:cNvPr>
+          <p:cNvCxnSpPr>
+            <a:cxnSpLocks/>
+          </p:cNvCxnSpPr>
+          <p:nvPr/>
+        </p:nvCxnSpPr>
+        <p:spPr>
+          <a:xfrm>
+            <a:off x="1844520" y="4636506"/>
+            <a:ext cx="2155246" cy="1371097"/>
+          </a:xfrm>
+          <a:prstGeom prst="straightConnector1">
+            <a:avLst/>
+          </a:prstGeom>
+          <a:ln w="31750">
+            <a:solidFill>
+              <a:schemeClr val="tx1"/>
+            </a:solidFill>
+            <a:round/>
+            <a:tailEnd type="triangle"/>
+          </a:ln>
+        </p:spPr>
+        <p:style>
+          <a:lnRef idx="2">
+            <a:schemeClr val="accent1"/>
+          </a:lnRef>
+          <a:fillRef idx="0">
+            <a:schemeClr val="accent1"/>
+          </a:fillRef>
+          <a:effectRef idx="1">
+            <a:schemeClr val="accent1"/>
+          </a:effectRef>
+          <a:fontRef idx="minor">
+            <a:schemeClr val="tx1"/>
+          </a:fontRef>
+        </p:style>
+      </p:cxnSp>
+      <p:sp>
+        <p:nvSpPr>
+          <p:cNvPr id="122" name="TextBox 121">
+            <a:extLst>
+              <a:ext uri="{FF2B5EF4-FFF2-40B4-BE49-F238E27FC236}">
+                <a16:creationId xmlns:a16="http://schemas.microsoft.com/office/drawing/2014/main" id="{0FAD2DB6-C9A3-3497-9898-0BADFF483D04}"/>
+              </a:ext>
+            </a:extLst>
+          </p:cNvPr>
+          <p:cNvSpPr txBox="1"/>
+          <p:nvPr/>
+        </p:nvSpPr>
+        <p:spPr>
+          <a:xfrm>
+            <a:off x="1342268" y="5105862"/>
+            <a:ext cx="2512226" cy="461665"/>
+          </a:xfrm>
+          <a:prstGeom prst="rect">
+            <a:avLst/>
+          </a:prstGeom>
+          <a:solidFill>
+            <a:schemeClr val="bg1"/>
+          </a:solidFill>
+        </p:spPr>
+        <p:txBody>
+          <a:bodyPr wrap="none" rtlCol="0">
+            <a:spAutoFit/>
+          </a:bodyPr>
+          <a:lstStyle/>
+          <a:p>
+            <a:pPr algn="ctr"/>
+            <a:r>
+              <a:rPr kumimoji="1" lang="ko-KR" altLang="en-US" sz="2400" b="1" dirty="0">
+                <a:latin typeface="Freesentation 8 ExtraBold" pitchFamily="2" charset="-127"/>
+                <a:ea typeface="Freesentation 8 ExtraBold" pitchFamily="2" charset="-127"/>
+                <a:cs typeface="Viner Hand ITC" panose="020F0502020204030204" pitchFamily="34" charset="0"/>
+              </a:rPr>
+              <a:t>유사도 기반 검색 결과</a:t>
+            </a:r>
+            <a:endParaRPr kumimoji="1" lang="ko-Kore-KR" altLang="en-US" sz="2400" b="1" dirty="0">
+              <a:latin typeface="Freesentation 8 ExtraBold" pitchFamily="2" charset="-127"/>
+              <a:ea typeface="Freesentation 8 ExtraBold" pitchFamily="2" charset="-127"/>
+              <a:cs typeface="Viner Hand ITC" panose="020F0502020204030204" pitchFamily="34" charset="0"/>
+            </a:endParaRPr>
+          </a:p>
+        </p:txBody>
+      </p:sp>
+      <p:grpSp>
+        <p:nvGrpSpPr>
+          <p:cNvPr id="127" name="그룹 126">
+            <a:extLst>
+              <a:ext uri="{FF2B5EF4-FFF2-40B4-BE49-F238E27FC236}">
+                <a16:creationId xmlns:a16="http://schemas.microsoft.com/office/drawing/2014/main" id="{264E4333-04EC-17BE-953A-87011D518D50}"/>
+              </a:ext>
+            </a:extLst>
+          </p:cNvPr>
+          <p:cNvGrpSpPr/>
+          <p:nvPr/>
+        </p:nvGrpSpPr>
+        <p:grpSpPr>
+          <a:xfrm>
+            <a:off x="4192932" y="5192059"/>
+            <a:ext cx="1095177" cy="1340003"/>
+            <a:chOff x="6411686" y="5322053"/>
+            <a:chExt cx="1095177" cy="1340003"/>
+          </a:xfrm>
+        </p:grpSpPr>
+        <p:sp>
+          <p:nvSpPr>
+            <p:cNvPr id="124" name="모서리가 접힌 도형[F] 123">
+              <a:extLst>
+                <a:ext uri="{FF2B5EF4-FFF2-40B4-BE49-F238E27FC236}">
+                  <a16:creationId xmlns:a16="http://schemas.microsoft.com/office/drawing/2014/main" id="{BA80490B-37FA-71D6-AE34-88E1D7DDAE1E}"/>
+                </a:ext>
+              </a:extLst>
+            </p:cNvPr>
+            <p:cNvSpPr/>
+            <p:nvPr/>
+          </p:nvSpPr>
+          <p:spPr>
+            <a:xfrm rot="10800000">
+              <a:off x="6411686" y="5322053"/>
+              <a:ext cx="790377" cy="1035203"/>
+            </a:xfrm>
+            <a:prstGeom prst="foldedCorner">
+              <a:avLst/>
+            </a:prstGeom>
+            <a:solidFill>
+              <a:schemeClr val="bg1"/>
+            </a:solidFill>
+            <a:ln w="25400">
+              <a:solidFill>
+                <a:schemeClr val="tx1"/>
+              </a:solidFill>
+            </a:ln>
+          </p:spPr>
+          <p:style>
+            <a:lnRef idx="2">
+              <a:schemeClr val="accent1">
+                <a:shade val="15000"/>
+              </a:schemeClr>
+            </a:lnRef>
+            <a:fillRef idx="1">
+              <a:schemeClr val="accent1"/>
+            </a:fillRef>
+            <a:effectRef idx="0">
+              <a:schemeClr val="accent1"/>
+            </a:effectRef>
+            <a:fontRef idx="minor">
+              <a:schemeClr val="lt1"/>
+            </a:fontRef>
+          </p:style>
+          <p:txBody>
+            <a:bodyPr rtlCol="0" anchor="ctr"/>
+            <a:lstStyle/>
+            <a:p>
+              <a:pPr algn="ctr"/>
+              <a:endParaRPr kumimoji="1" lang="ko-Kore-KR" altLang="en-US"/>
+            </a:p>
+          </p:txBody>
+        </p:sp>
+        <p:sp>
+          <p:nvSpPr>
+            <p:cNvPr id="125" name="모서리가 접힌 도형[F] 124">
+              <a:extLst>
+                <a:ext uri="{FF2B5EF4-FFF2-40B4-BE49-F238E27FC236}">
+                  <a16:creationId xmlns:a16="http://schemas.microsoft.com/office/drawing/2014/main" id="{77DB58A0-8675-E4CE-EBE4-6FA614CE7516}"/>
+                </a:ext>
+              </a:extLst>
+            </p:cNvPr>
+            <p:cNvSpPr/>
+            <p:nvPr/>
+          </p:nvSpPr>
+          <p:spPr>
+            <a:xfrm rot="10800000">
+              <a:off x="6564086" y="5474453"/>
+              <a:ext cx="790377" cy="1035203"/>
+            </a:xfrm>
+            <a:prstGeom prst="foldedCorner">
+              <a:avLst/>
+            </a:prstGeom>
+            <a:solidFill>
+              <a:schemeClr val="bg1"/>
+            </a:solidFill>
+            <a:ln w="25400">
+              <a:solidFill>
+                <a:schemeClr val="tx1"/>
+              </a:solidFill>
+            </a:ln>
+          </p:spPr>
+          <p:style>
+            <a:lnRef idx="2">
+              <a:schemeClr val="accent1">
+                <a:shade val="15000"/>
+              </a:schemeClr>
+            </a:lnRef>
+            <a:fillRef idx="1">
+              <a:schemeClr val="accent1"/>
+            </a:fillRef>
+            <a:effectRef idx="0">
+              <a:schemeClr val="accent1"/>
+            </a:effectRef>
+            <a:fontRef idx="minor">
+              <a:schemeClr val="lt1"/>
+            </a:fontRef>
+          </p:style>
+          <p:txBody>
+            <a:bodyPr rtlCol="0" anchor="ctr"/>
+            <a:lstStyle/>
+            <a:p>
+              <a:pPr algn="ctr"/>
+              <a:endParaRPr kumimoji="1" lang="ko-Kore-KR" altLang="en-US"/>
+            </a:p>
+          </p:txBody>
+        </p:sp>
+        <p:sp>
+          <p:nvSpPr>
+            <p:cNvPr id="126" name="모서리가 접힌 도형[F] 125">
+              <a:extLst>
+                <a:ext uri="{FF2B5EF4-FFF2-40B4-BE49-F238E27FC236}">
+                  <a16:creationId xmlns:a16="http://schemas.microsoft.com/office/drawing/2014/main" id="{048A34E6-FF62-B0A9-E808-390CA6D87FAB}"/>
+                </a:ext>
+              </a:extLst>
+            </p:cNvPr>
+            <p:cNvSpPr/>
+            <p:nvPr/>
+          </p:nvSpPr>
+          <p:spPr>
+            <a:xfrm rot="10800000">
+              <a:off x="6716486" y="5626853"/>
+              <a:ext cx="790377" cy="1035203"/>
+            </a:xfrm>
+            <a:prstGeom prst="foldedCorner">
+              <a:avLst/>
+            </a:prstGeom>
+            <a:solidFill>
+              <a:schemeClr val="bg1"/>
+            </a:solidFill>
+            <a:ln w="25400">
+              <a:solidFill>
+                <a:schemeClr val="tx1"/>
+              </a:solidFill>
+            </a:ln>
+          </p:spPr>
+          <p:style>
+            <a:lnRef idx="2">
+              <a:schemeClr val="accent1">
+                <a:shade val="15000"/>
+              </a:schemeClr>
+            </a:lnRef>
+            <a:fillRef idx="1">
+              <a:schemeClr val="accent1"/>
+            </a:fillRef>
+            <a:effectRef idx="0">
+              <a:schemeClr val="accent1"/>
+            </a:effectRef>
+            <a:fontRef idx="minor">
+              <a:schemeClr val="lt1"/>
+            </a:fontRef>
+          </p:style>
+          <p:txBody>
+            <a:bodyPr rtlCol="0" anchor="ctr"/>
+            <a:lstStyle/>
+            <a:p>
+              <a:pPr algn="ctr"/>
+              <a:endParaRPr kumimoji="1" lang="ko-Kore-KR" altLang="en-US"/>
+            </a:p>
+          </p:txBody>
+        </p:sp>
+      </p:grpSp>
+      <p:cxnSp>
+        <p:nvCxnSpPr>
+          <p:cNvPr id="128" name="직선 화살표 연결선 127">
+            <a:extLst>
+              <a:ext uri="{FF2B5EF4-FFF2-40B4-BE49-F238E27FC236}">
+                <a16:creationId xmlns:a16="http://schemas.microsoft.com/office/drawing/2014/main" id="{992ABFF9-E714-E1E8-77E3-0C3F522F84F1}"/>
+              </a:ext>
+            </a:extLst>
+          </p:cNvPr>
+          <p:cNvCxnSpPr>
+            <a:cxnSpLocks/>
+          </p:cNvCxnSpPr>
+          <p:nvPr/>
+        </p:nvCxnSpPr>
+        <p:spPr>
+          <a:xfrm flipV="1">
+            <a:off x="5440509" y="4555283"/>
+            <a:ext cx="1615784" cy="1459178"/>
+          </a:xfrm>
+          <a:prstGeom prst="straightConnector1">
+            <a:avLst/>
+          </a:prstGeom>
+          <a:ln w="31750">
+            <a:solidFill>
+              <a:schemeClr val="tx1"/>
+            </a:solidFill>
+            <a:round/>
+            <a:tailEnd type="triangle"/>
+          </a:ln>
+        </p:spPr>
+        <p:style>
+          <a:lnRef idx="2">
+            <a:schemeClr val="accent1"/>
+          </a:lnRef>
+          <a:fillRef idx="0">
+            <a:schemeClr val="accent1"/>
+          </a:fillRef>
+          <a:effectRef idx="1">
+            <a:schemeClr val="accent1"/>
+          </a:effectRef>
+          <a:fontRef idx="minor">
+            <a:schemeClr val="tx1"/>
+          </a:fontRef>
+        </p:style>
+      </p:cxnSp>
+      <p:sp>
+        <p:nvSpPr>
+          <p:cNvPr id="131" name="TextBox 130">
+            <a:extLst>
+              <a:ext uri="{FF2B5EF4-FFF2-40B4-BE49-F238E27FC236}">
+                <a16:creationId xmlns:a16="http://schemas.microsoft.com/office/drawing/2014/main" id="{65CE217A-8447-2104-862C-74722E3B6B5B}"/>
+              </a:ext>
+            </a:extLst>
+          </p:cNvPr>
+          <p:cNvSpPr txBox="1"/>
+          <p:nvPr/>
+        </p:nvSpPr>
+        <p:spPr>
+          <a:xfrm>
+            <a:off x="5806763" y="5049148"/>
+            <a:ext cx="1677062" cy="461665"/>
+          </a:xfrm>
+          <a:prstGeom prst="rect">
+            <a:avLst/>
+          </a:prstGeom>
+          <a:solidFill>
+            <a:schemeClr val="bg1"/>
+          </a:solidFill>
+        </p:spPr>
+        <p:txBody>
+          <a:bodyPr wrap="none" rtlCol="0">
+            <a:spAutoFit/>
+          </a:bodyPr>
+          <a:lstStyle/>
+          <a:p>
+            <a:pPr algn="ctr"/>
+            <a:r>
+              <a:rPr kumimoji="1" lang="ko-KR" altLang="en-US" sz="2400" b="1" dirty="0">
+                <a:latin typeface="Freesentation 8 ExtraBold" pitchFamily="2" charset="-127"/>
+                <a:ea typeface="Freesentation 8 ExtraBold" pitchFamily="2" charset="-127"/>
+                <a:cs typeface="Viner Hand ITC" panose="020F0502020204030204" pitchFamily="34" charset="0"/>
+              </a:rPr>
+              <a:t>추가정보 제공</a:t>
+            </a:r>
+            <a:endParaRPr kumimoji="1" lang="ko-Kore-KR" altLang="en-US" sz="2400" b="1" dirty="0">
+              <a:latin typeface="Freesentation 8 ExtraBold" pitchFamily="2" charset="-127"/>
+              <a:ea typeface="Freesentation 8 ExtraBold" pitchFamily="2" charset="-127"/>
+              <a:cs typeface="Viner Hand ITC" panose="020F0502020204030204" pitchFamily="34" charset="0"/>
+            </a:endParaRPr>
+          </a:p>
+        </p:txBody>
+      </p:sp>
+      <p:cxnSp>
+        <p:nvCxnSpPr>
+          <p:cNvPr id="135" name="직선 화살표 연결선 134">
+            <a:extLst>
+              <a:ext uri="{FF2B5EF4-FFF2-40B4-BE49-F238E27FC236}">
+                <a16:creationId xmlns:a16="http://schemas.microsoft.com/office/drawing/2014/main" id="{5063F46C-8FB3-3537-88A9-F2106F604BE9}"/>
+              </a:ext>
+            </a:extLst>
+          </p:cNvPr>
+          <p:cNvCxnSpPr>
+            <a:cxnSpLocks/>
+          </p:cNvCxnSpPr>
+          <p:nvPr/>
+        </p:nvCxnSpPr>
+        <p:spPr>
+          <a:xfrm flipV="1">
+            <a:off x="8035987" y="2885186"/>
+            <a:ext cx="0" cy="944572"/>
+          </a:xfrm>
+          <a:prstGeom prst="straightConnector1">
+            <a:avLst/>
+          </a:prstGeom>
+          <a:ln w="31750">
+            <a:solidFill>
+              <a:schemeClr val="tx1"/>
+            </a:solidFill>
+            <a:round/>
+            <a:tailEnd type="triangle"/>
+          </a:ln>
+        </p:spPr>
+        <p:style>
+          <a:lnRef idx="2">
+            <a:schemeClr val="accent1"/>
+          </a:lnRef>
+          <a:fillRef idx="0">
+            <a:schemeClr val="accent1"/>
+          </a:fillRef>
+          <a:effectRef idx="1">
+            <a:schemeClr val="accent1"/>
+          </a:effectRef>
+          <a:fontRef idx="minor">
+            <a:schemeClr val="tx1"/>
+          </a:fontRef>
+        </p:style>
+      </p:cxnSp>
+      <p:sp>
+        <p:nvSpPr>
+          <p:cNvPr id="138" name="TextBox 137">
+            <a:extLst>
+              <a:ext uri="{FF2B5EF4-FFF2-40B4-BE49-F238E27FC236}">
+                <a16:creationId xmlns:a16="http://schemas.microsoft.com/office/drawing/2014/main" id="{0F04687C-9D37-C790-5338-AFA394A5CAF1}"/>
+              </a:ext>
+            </a:extLst>
+          </p:cNvPr>
+          <p:cNvSpPr txBox="1"/>
+          <p:nvPr/>
+        </p:nvSpPr>
+        <p:spPr>
+          <a:xfrm>
+            <a:off x="7796972" y="3113253"/>
+            <a:ext cx="1199367" cy="461665"/>
+          </a:xfrm>
+          <a:prstGeom prst="rect">
+            <a:avLst/>
+          </a:prstGeom>
+          <a:solidFill>
+            <a:schemeClr val="bg1"/>
+          </a:solidFill>
+        </p:spPr>
+        <p:txBody>
+          <a:bodyPr wrap="none" rtlCol="0">
+            <a:spAutoFit/>
+          </a:bodyPr>
+          <a:lstStyle/>
+          <a:p>
+            <a:pPr algn="ctr"/>
+            <a:r>
+              <a:rPr kumimoji="1" lang="ko-KR" altLang="en-US" sz="2400" b="1" dirty="0">
+                <a:latin typeface="Freesentation 8 ExtraBold" pitchFamily="2" charset="-127"/>
+                <a:ea typeface="Freesentation 8 ExtraBold" pitchFamily="2" charset="-127"/>
+                <a:cs typeface="Viner Hand ITC" panose="020F0502020204030204" pitchFamily="34" charset="0"/>
+              </a:rPr>
+              <a:t>답변 생성</a:t>
+            </a:r>
+            <a:endParaRPr kumimoji="1" lang="ko-Kore-KR" altLang="en-US" sz="2400" b="1" dirty="0">
+              <a:latin typeface="Freesentation 8 ExtraBold" pitchFamily="2" charset="-127"/>
+              <a:ea typeface="Freesentation 8 ExtraBold" pitchFamily="2" charset="-127"/>
+              <a:cs typeface="Viner Hand ITC" panose="020F0502020204030204" pitchFamily="34" charset="0"/>
+            </a:endParaRPr>
+          </a:p>
+        </p:txBody>
+      </p:sp>
+      <p:cxnSp>
+        <p:nvCxnSpPr>
+          <p:cNvPr id="140" name="직선 화살표 연결선 139">
+            <a:extLst>
+              <a:ext uri="{FF2B5EF4-FFF2-40B4-BE49-F238E27FC236}">
+                <a16:creationId xmlns:a16="http://schemas.microsoft.com/office/drawing/2014/main" id="{69E91E26-76D7-F389-7206-CCD539FFF14C}"/>
+              </a:ext>
+            </a:extLst>
+          </p:cNvPr>
+          <p:cNvCxnSpPr>
+            <a:cxnSpLocks/>
+          </p:cNvCxnSpPr>
+          <p:nvPr/>
+        </p:nvCxnSpPr>
+        <p:spPr>
+          <a:xfrm>
+            <a:off x="8666870" y="2510509"/>
+            <a:ext cx="1438215" cy="0"/>
+          </a:xfrm>
+          <a:prstGeom prst="straightConnector1">
+            <a:avLst/>
+          </a:prstGeom>
+          <a:ln w="31750">
+            <a:solidFill>
+              <a:schemeClr val="tx1"/>
+            </a:solidFill>
+            <a:round/>
+            <a:tailEnd type="triangle"/>
+          </a:ln>
+        </p:spPr>
+        <p:style>
+          <a:lnRef idx="2">
+            <a:schemeClr val="accent1"/>
+          </a:lnRef>
+          <a:fillRef idx="0">
+            <a:schemeClr val="accent1"/>
+          </a:fillRef>
+          <a:effectRef idx="1">
+            <a:schemeClr val="accent1"/>
+          </a:effectRef>
+          <a:fontRef idx="minor">
+            <a:schemeClr val="tx1"/>
+          </a:fontRef>
+        </p:style>
+      </p:cxnSp>
+    </p:spTree>
+    <p:extLst>
+      <p:ext uri="{BB962C8B-B14F-4D97-AF65-F5344CB8AC3E}">
+        <p14:creationId xmlns:p14="http://schemas.microsoft.com/office/powerpoint/2010/main" val="945584699"/>
+      </p:ext>
+    </p:extLst>
+  </p:cSld>
+  <p:clrMapOvr>
+    <a:masterClrMapping/>
+  </p:clrMapOvr>
+</p:sld>
+</file>
+
 <file path=ppt/theme/theme1.xml><?xml version="1.0" encoding="utf-8"?>
 <a:theme xmlns:a="http://schemas.openxmlformats.org/drawingml/2006/main" name="Office 테마">
   <a:themeElements>
